--- a/WBAN_Sim/模擬架構.pptx
+++ b/WBAN_Sim/模擬架構.pptx
@@ -7,6 +7,8 @@
   <p:sldIdLst>
     <p:sldId id="256" r:id="rId2"/>
     <p:sldId id="257" r:id="rId3"/>
+    <p:sldId id="258" r:id="rId4"/>
+    <p:sldId id="259" r:id="rId5"/>
   </p:sldIdLst>
   <p:sldSz cx="9144000" cy="6858000" type="screen4x3"/>
   <p:notesSz cx="6858000" cy="9144000"/>
@@ -289,7 +291,7 @@
           <a:p>
             <a:fld id="{5BBEAD13-0566-4C6C-97E7-55F17F24B09F}" type="datetimeFigureOut">
               <a:rPr lang="zh-TW" altLang="en-US" smtClean="0"/>
-              <a:t>2017/1/18</a:t>
+              <a:t>2017/2/8</a:t>
             </a:fld>
             <a:endParaRPr lang="zh-TW" altLang="en-US"/>
           </a:p>
@@ -454,7 +456,7 @@
           <a:p>
             <a:fld id="{5BBEAD13-0566-4C6C-97E7-55F17F24B09F}" type="datetimeFigureOut">
               <a:rPr lang="zh-TW" altLang="en-US" smtClean="0"/>
-              <a:t>2017/1/18</a:t>
+              <a:t>2017/2/8</a:t>
             </a:fld>
             <a:endParaRPr lang="zh-TW" altLang="en-US"/>
           </a:p>
@@ -629,7 +631,7 @@
           <a:p>
             <a:fld id="{5BBEAD13-0566-4C6C-97E7-55F17F24B09F}" type="datetimeFigureOut">
               <a:rPr lang="zh-TW" altLang="en-US" smtClean="0"/>
-              <a:t>2017/1/18</a:t>
+              <a:t>2017/2/8</a:t>
             </a:fld>
             <a:endParaRPr lang="zh-TW" altLang="en-US"/>
           </a:p>
@@ -794,7 +796,7 @@
           <a:p>
             <a:fld id="{5BBEAD13-0566-4C6C-97E7-55F17F24B09F}" type="datetimeFigureOut">
               <a:rPr lang="zh-TW" altLang="en-US" smtClean="0"/>
-              <a:t>2017/1/18</a:t>
+              <a:t>2017/2/8</a:t>
             </a:fld>
             <a:endParaRPr lang="zh-TW" altLang="en-US"/>
           </a:p>
@@ -1035,7 +1037,7 @@
           <a:p>
             <a:fld id="{5BBEAD13-0566-4C6C-97E7-55F17F24B09F}" type="datetimeFigureOut">
               <a:rPr lang="zh-TW" altLang="en-US" smtClean="0"/>
-              <a:t>2017/1/18</a:t>
+              <a:t>2017/2/8</a:t>
             </a:fld>
             <a:endParaRPr lang="zh-TW" altLang="en-US"/>
           </a:p>
@@ -1318,7 +1320,7 @@
           <a:p>
             <a:fld id="{5BBEAD13-0566-4C6C-97E7-55F17F24B09F}" type="datetimeFigureOut">
               <a:rPr lang="zh-TW" altLang="en-US" smtClean="0"/>
-              <a:t>2017/1/18</a:t>
+              <a:t>2017/2/8</a:t>
             </a:fld>
             <a:endParaRPr lang="zh-TW" altLang="en-US"/>
           </a:p>
@@ -1735,7 +1737,7 @@
           <a:p>
             <a:fld id="{5BBEAD13-0566-4C6C-97E7-55F17F24B09F}" type="datetimeFigureOut">
               <a:rPr lang="zh-TW" altLang="en-US" smtClean="0"/>
-              <a:t>2017/1/18</a:t>
+              <a:t>2017/2/8</a:t>
             </a:fld>
             <a:endParaRPr lang="zh-TW" altLang="en-US"/>
           </a:p>
@@ -1848,7 +1850,7 @@
           <a:p>
             <a:fld id="{5BBEAD13-0566-4C6C-97E7-55F17F24B09F}" type="datetimeFigureOut">
               <a:rPr lang="zh-TW" altLang="en-US" smtClean="0"/>
-              <a:t>2017/1/18</a:t>
+              <a:t>2017/2/8</a:t>
             </a:fld>
             <a:endParaRPr lang="zh-TW" altLang="en-US"/>
           </a:p>
@@ -1938,7 +1940,7 @@
           <a:p>
             <a:fld id="{5BBEAD13-0566-4C6C-97E7-55F17F24B09F}" type="datetimeFigureOut">
               <a:rPr lang="zh-TW" altLang="en-US" smtClean="0"/>
-              <a:t>2017/1/18</a:t>
+              <a:t>2017/2/8</a:t>
             </a:fld>
             <a:endParaRPr lang="zh-TW" altLang="en-US"/>
           </a:p>
@@ -2210,7 +2212,7 @@
           <a:p>
             <a:fld id="{5BBEAD13-0566-4C6C-97E7-55F17F24B09F}" type="datetimeFigureOut">
               <a:rPr lang="zh-TW" altLang="en-US" smtClean="0"/>
-              <a:t>2017/1/18</a:t>
+              <a:t>2017/2/8</a:t>
             </a:fld>
             <a:endParaRPr lang="zh-TW" altLang="en-US"/>
           </a:p>
@@ -2458,7 +2460,7 @@
           <a:p>
             <a:fld id="{5BBEAD13-0566-4C6C-97E7-55F17F24B09F}" type="datetimeFigureOut">
               <a:rPr lang="zh-TW" altLang="en-US" smtClean="0"/>
-              <a:t>2017/1/18</a:t>
+              <a:t>2017/2/8</a:t>
             </a:fld>
             <a:endParaRPr lang="zh-TW" altLang="en-US"/>
           </a:p>
@@ -2666,7 +2668,7 @@
           <a:p>
             <a:fld id="{5BBEAD13-0566-4C6C-97E7-55F17F24B09F}" type="datetimeFigureOut">
               <a:rPr lang="zh-TW" altLang="en-US" smtClean="0"/>
-              <a:t>2017/1/18</a:t>
+              <a:t>2017/2/8</a:t>
             </a:fld>
             <a:endParaRPr lang="zh-TW" altLang="en-US"/>
           </a:p>
@@ -4270,18 +4272,541 @@
       </p:grpSpPr>
       <p:sp>
         <p:nvSpPr>
-          <p:cNvPr id="5" name="矩形 4"/>
-          <p:cNvSpPr/>
+          <p:cNvPr id="29" name="文字方塊 28"/>
+          <p:cNvSpPr txBox="1"/>
           <p:nvPr/>
         </p:nvSpPr>
         <p:spPr>
           <a:xfrm>
-            <a:off x="1187625" y="1700808"/>
-            <a:ext cx="3096344" cy="4032448"/>
+            <a:off x="527963" y="332656"/>
+            <a:ext cx="3108543" cy="584775"/>
           </a:xfrm>
           <a:prstGeom prst="rect">
             <a:avLst/>
           </a:prstGeom>
+          <a:noFill/>
+        </p:spPr>
+        <p:txBody>
+          <a:bodyPr wrap="none" rtlCol="0">
+            <a:spAutoFit/>
+          </a:bodyPr>
+          <a:lstStyle/>
+          <a:p>
+            <a:pPr marL="457200" indent="-457200">
+              <a:buFont typeface="Arial" panose="020B0604020202020204" pitchFamily="34" charset="0"/>
+              <a:buChar char="•"/>
+            </a:pPr>
+            <a:r>
+              <a:rPr lang="zh-TW" altLang="en-US" sz="3200" dirty="0" smtClean="0"/>
+              <a:t>模擬實驗類別</a:t>
+            </a:r>
+            <a:endParaRPr lang="zh-TW" altLang="en-US" sz="3200" dirty="0"/>
+          </a:p>
+        </p:txBody>
+      </p:sp>
+      <p:sp>
+        <p:nvSpPr>
+          <p:cNvPr id="37" name="文字方塊 36"/>
+          <p:cNvSpPr txBox="1"/>
+          <p:nvPr/>
+        </p:nvSpPr>
+        <p:spPr>
+          <a:xfrm>
+            <a:off x="317342" y="1124744"/>
+            <a:ext cx="8568952" cy="5355312"/>
+          </a:xfrm>
+          <a:prstGeom prst="rect">
+            <a:avLst/>
+          </a:prstGeom>
+          <a:noFill/>
+        </p:spPr>
+        <p:txBody>
+          <a:bodyPr wrap="square" rtlCol="0">
+            <a:spAutoFit/>
+          </a:bodyPr>
+          <a:lstStyle/>
+          <a:p>
+            <a:pPr marL="285750" indent="-285750">
+              <a:buFont typeface="Arial" panose="020B0604020202020204" pitchFamily="34" charset="0"/>
+              <a:buChar char="•"/>
+            </a:pPr>
+            <a:r>
+              <a:rPr lang="en-US" altLang="zh-TW" dirty="0" smtClean="0"/>
+              <a:t>Default </a:t>
+            </a:r>
+          </a:p>
+          <a:p>
+            <a:pPr marL="742950" lvl="1" indent="-285750">
+              <a:buFont typeface="Arial" panose="020B0604020202020204" pitchFamily="34" charset="0"/>
+              <a:buChar char="•"/>
+            </a:pPr>
+            <a:r>
+              <a:rPr lang="en-US" altLang="zh-TW" dirty="0" err="1" smtClean="0"/>
+              <a:t>NodeNum</a:t>
+            </a:r>
+            <a:r>
+              <a:rPr lang="en-US" altLang="zh-TW" dirty="0" smtClean="0"/>
+              <a:t> = 3</a:t>
+            </a:r>
+          </a:p>
+          <a:p>
+            <a:pPr marL="742950" lvl="1" indent="-285750">
+              <a:buFont typeface="Arial" panose="020B0604020202020204" pitchFamily="34" charset="0"/>
+              <a:buChar char="•"/>
+            </a:pPr>
+            <a:r>
+              <a:rPr lang="en-US" altLang="zh-TW" dirty="0" err="1" smtClean="0"/>
+              <a:t>TaskNum</a:t>
+            </a:r>
+            <a:r>
+              <a:rPr lang="en-US" altLang="zh-TW" dirty="0" smtClean="0"/>
+              <a:t> = 3, 4, 5, 6, 8, 10</a:t>
+            </a:r>
+            <a:r>
+              <a:rPr lang="zh-TW" altLang="en-US" dirty="0" smtClean="0"/>
+              <a:t> </a:t>
+            </a:r>
+            <a:r>
+              <a:rPr lang="en-US" altLang="zh-TW" dirty="0" smtClean="0"/>
+              <a:t>(config.py</a:t>
+            </a:r>
+            <a:r>
+              <a:rPr lang="zh-TW" altLang="en-US" dirty="0" smtClean="0"/>
+              <a:t>中設定</a:t>
+            </a:r>
+            <a:r>
+              <a:rPr lang="en-US" altLang="zh-TW" dirty="0" smtClean="0"/>
+              <a:t>)</a:t>
+            </a:r>
+          </a:p>
+          <a:p>
+            <a:pPr marL="742950" lvl="1" indent="-285750">
+              <a:buFont typeface="Arial" panose="020B0604020202020204" pitchFamily="34" charset="0"/>
+              <a:buChar char="•"/>
+            </a:pPr>
+            <a:r>
+              <a:rPr lang="en-US" altLang="zh-TW" dirty="0" err="1" smtClean="0"/>
+              <a:t>TatalUti</a:t>
+            </a:r>
+            <a:r>
+              <a:rPr lang="en-US" altLang="zh-TW" dirty="0" smtClean="0"/>
+              <a:t> = 0.5, 1.0, 1.5, 2.0</a:t>
+            </a:r>
+            <a:r>
+              <a:rPr lang="zh-TW" altLang="en-US" dirty="0" smtClean="0"/>
+              <a:t> </a:t>
+            </a:r>
+            <a:r>
+              <a:rPr lang="en-US" altLang="zh-TW" dirty="0" smtClean="0"/>
+              <a:t>(</a:t>
+            </a:r>
+            <a:r>
+              <a:rPr lang="zh-TW" altLang="en-US" dirty="0" smtClean="0"/>
+              <a:t>對應資料夾已寫好</a:t>
+            </a:r>
+            <a:r>
+              <a:rPr lang="en-US" altLang="zh-TW" dirty="0" smtClean="0"/>
+              <a:t>)</a:t>
+            </a:r>
+          </a:p>
+          <a:p>
+            <a:pPr marL="742950" lvl="1" indent="-285750">
+              <a:buFont typeface="Arial" panose="020B0604020202020204" pitchFamily="34" charset="0"/>
+              <a:buChar char="•"/>
+            </a:pPr>
+            <a:r>
+              <a:rPr lang="en-US" altLang="zh-TW" dirty="0" smtClean="0"/>
+              <a:t>BW = 1.0</a:t>
+            </a:r>
+          </a:p>
+          <a:p>
+            <a:pPr marL="742950" lvl="1" indent="-285750">
+              <a:buFont typeface="Arial" panose="020B0604020202020204" pitchFamily="34" charset="0"/>
+              <a:buChar char="•"/>
+            </a:pPr>
+            <a:r>
+              <a:rPr lang="en-US" altLang="zh-TW" dirty="0"/>
+              <a:t>m</a:t>
+            </a:r>
+            <a:r>
+              <a:rPr lang="en-US" altLang="zh-TW" dirty="0" smtClean="0"/>
+              <a:t> = 0.5</a:t>
+            </a:r>
+          </a:p>
+          <a:p>
+            <a:pPr marL="742950" lvl="1" indent="-285750">
+              <a:buFont typeface="Arial" panose="020B0604020202020204" pitchFamily="34" charset="0"/>
+              <a:buChar char="•"/>
+            </a:pPr>
+            <a:r>
+              <a:rPr lang="en-US" altLang="zh-TW" dirty="0" smtClean="0"/>
+              <a:t>Policy = Local, OFLD, Cloud, </a:t>
+            </a:r>
+            <a:r>
+              <a:rPr lang="en-US" altLang="zh-TW" dirty="0" err="1" smtClean="0"/>
+              <a:t>SeGW</a:t>
+            </a:r>
+            <a:r>
+              <a:rPr lang="en-US" altLang="zh-TW" dirty="0" smtClean="0"/>
+              <a:t> (</a:t>
+            </a:r>
+            <a:r>
+              <a:rPr lang="zh-TW" altLang="en-US" dirty="0"/>
+              <a:t>對應資料夾已寫好</a:t>
+            </a:r>
+            <a:r>
+              <a:rPr lang="en-US" altLang="zh-TW" dirty="0" smtClean="0"/>
+              <a:t>)</a:t>
+            </a:r>
+          </a:p>
+          <a:p>
+            <a:r>
+              <a:rPr lang="en-US" altLang="zh-TW" dirty="0" smtClean="0"/>
+              <a:t>=========================================================================</a:t>
+            </a:r>
+          </a:p>
+          <a:p>
+            <a:pPr marL="742950" lvl="1" indent="-285750">
+              <a:buFont typeface="Arial" panose="020B0604020202020204" pitchFamily="34" charset="0"/>
+              <a:buChar char="•"/>
+            </a:pPr>
+            <a:endParaRPr lang="en-US" altLang="zh-TW" dirty="0"/>
+          </a:p>
+          <a:p>
+            <a:pPr marL="285750" indent="-285750">
+              <a:buFont typeface="Arial" panose="020B0604020202020204" pitchFamily="34" charset="0"/>
+              <a:buChar char="•"/>
+            </a:pPr>
+            <a:r>
+              <a:rPr lang="en-US" altLang="zh-TW" dirty="0" smtClean="0"/>
+              <a:t>Default (</a:t>
+            </a:r>
+            <a:r>
+              <a:rPr lang="zh-TW" altLang="en-US" dirty="0" smtClean="0"/>
+              <a:t>依照</a:t>
+            </a:r>
+            <a:r>
+              <a:rPr lang="en-US" altLang="zh-TW" dirty="0" smtClean="0"/>
+              <a:t>default</a:t>
+            </a:r>
+            <a:r>
+              <a:rPr lang="zh-TW" altLang="en-US" dirty="0" smtClean="0"/>
+              <a:t>設定好編譯程執行檔，照著跑模擬步驟即可</a:t>
+            </a:r>
+            <a:r>
+              <a:rPr lang="en-US" altLang="zh-TW" dirty="0" smtClean="0"/>
+              <a:t>)</a:t>
+            </a:r>
+          </a:p>
+          <a:p>
+            <a:pPr marL="285750" indent="-285750">
+              <a:buFont typeface="Arial" panose="020B0604020202020204" pitchFamily="34" charset="0"/>
+              <a:buChar char="•"/>
+            </a:pPr>
+            <a:endParaRPr lang="en-US" altLang="zh-TW" dirty="0" smtClean="0"/>
+          </a:p>
+          <a:p>
+            <a:pPr marL="285750" indent="-285750">
+              <a:buFont typeface="Arial" panose="020B0604020202020204" pitchFamily="34" charset="0"/>
+              <a:buChar char="•"/>
+            </a:pPr>
+            <a:r>
+              <a:rPr lang="en-US" altLang="zh-TW" dirty="0" smtClean="0"/>
+              <a:t>BW</a:t>
+            </a:r>
+            <a:r>
+              <a:rPr lang="zh-TW" altLang="en-US" dirty="0" smtClean="0"/>
+              <a:t>實驗</a:t>
+            </a:r>
+            <a:endParaRPr lang="en-US" altLang="zh-TW" dirty="0" smtClean="0"/>
+          </a:p>
+          <a:p>
+            <a:pPr marL="742950" lvl="1" indent="-285750">
+              <a:buFont typeface="Arial" panose="020B0604020202020204" pitchFamily="34" charset="0"/>
+              <a:buChar char="•"/>
+            </a:pPr>
+            <a:r>
+              <a:rPr lang="zh-TW" altLang="en-US" dirty="0" smtClean="0"/>
+              <a:t>修改程式</a:t>
+            </a:r>
+            <a:r>
+              <a:rPr lang="en-US" altLang="zh-TW" dirty="0" smtClean="0"/>
+              <a:t>traffic</a:t>
+            </a:r>
+            <a:r>
+              <a:rPr lang="zh-TW" altLang="en-US" dirty="0" smtClean="0"/>
+              <a:t>參數</a:t>
+            </a:r>
+            <a:endParaRPr lang="en-US" altLang="zh-TW" dirty="0" smtClean="0"/>
+          </a:p>
+          <a:p>
+            <a:pPr marL="742950" lvl="1" indent="-285750">
+              <a:buFont typeface="Arial" panose="020B0604020202020204" pitchFamily="34" charset="0"/>
+              <a:buChar char="•"/>
+            </a:pPr>
+            <a:r>
+              <a:rPr lang="en-US" altLang="zh-TW" dirty="0" smtClean="0"/>
+              <a:t>BW</a:t>
+            </a:r>
+            <a:r>
+              <a:rPr lang="zh-TW" altLang="en-US" dirty="0" smtClean="0"/>
+              <a:t> </a:t>
+            </a:r>
+            <a:r>
+              <a:rPr lang="en-US" altLang="zh-TW" dirty="0" smtClean="0"/>
+              <a:t>=</a:t>
+            </a:r>
+            <a:r>
+              <a:rPr lang="zh-TW" altLang="en-US" dirty="0" smtClean="0"/>
+              <a:t> </a:t>
+            </a:r>
+            <a:r>
+              <a:rPr lang="en-US" altLang="zh-TW" dirty="0" smtClean="0"/>
+              <a:t>1.0,  0.75, 0.5  (traffic = 1/1.0, 1/0.75, 1/0.5)</a:t>
+            </a:r>
+          </a:p>
+          <a:p>
+            <a:pPr marL="285750" indent="-285750">
+              <a:buFont typeface="Arial" panose="020B0604020202020204" pitchFamily="34" charset="0"/>
+              <a:buChar char="•"/>
+            </a:pPr>
+            <a:endParaRPr lang="en-US" altLang="zh-TW" dirty="0" smtClean="0"/>
+          </a:p>
+          <a:p>
+            <a:pPr marL="285750" indent="-285750">
+              <a:buFont typeface="Arial" panose="020B0604020202020204" pitchFamily="34" charset="0"/>
+              <a:buChar char="•"/>
+            </a:pPr>
+            <a:r>
+              <a:rPr lang="en-US" altLang="zh-TW" dirty="0" smtClean="0"/>
+              <a:t>m</a:t>
+            </a:r>
+            <a:r>
+              <a:rPr lang="zh-TW" altLang="en-US" dirty="0" smtClean="0"/>
+              <a:t>實驗</a:t>
+            </a:r>
+            <a:endParaRPr lang="en-US" altLang="zh-TW" dirty="0" smtClean="0"/>
+          </a:p>
+          <a:p>
+            <a:pPr marL="742950" lvl="1" indent="-285750">
+              <a:buFont typeface="Arial" panose="020B0604020202020204" pitchFamily="34" charset="0"/>
+              <a:buChar char="•"/>
+            </a:pPr>
+            <a:r>
+              <a:rPr lang="zh-TW" altLang="en-US" dirty="0" smtClean="0"/>
+              <a:t>修改程式</a:t>
+            </a:r>
+            <a:r>
+              <a:rPr lang="en-US" altLang="zh-TW" dirty="0" smtClean="0"/>
+              <a:t>m</a:t>
+            </a:r>
+            <a:r>
+              <a:rPr lang="zh-TW" altLang="en-US" dirty="0" smtClean="0"/>
+              <a:t>參數</a:t>
+            </a:r>
+            <a:endParaRPr lang="en-US" altLang="zh-TW" dirty="0" smtClean="0"/>
+          </a:p>
+          <a:p>
+            <a:pPr marL="742950" lvl="1" indent="-285750">
+              <a:buFont typeface="Arial" panose="020B0604020202020204" pitchFamily="34" charset="0"/>
+              <a:buChar char="•"/>
+            </a:pPr>
+            <a:r>
+              <a:rPr lang="en-US" altLang="zh-TW" dirty="0"/>
+              <a:t>m</a:t>
+            </a:r>
+            <a:r>
+              <a:rPr lang="en-US" altLang="zh-TW" dirty="0" smtClean="0"/>
+              <a:t> = 0.5, 0.2, 0.8</a:t>
+            </a:r>
+          </a:p>
+          <a:p>
+            <a:pPr marL="742950" lvl="1" indent="-285750">
+              <a:buFont typeface="Arial" panose="020B0604020202020204" pitchFamily="34" charset="0"/>
+              <a:buChar char="•"/>
+            </a:pPr>
+            <a:r>
+              <a:rPr lang="zh-TW" altLang="en-US" dirty="0" smtClean="0"/>
+              <a:t>跑</a:t>
+            </a:r>
+            <a:r>
+              <a:rPr lang="en-US" altLang="zh-TW" dirty="0" smtClean="0"/>
+              <a:t>GW431</a:t>
+            </a:r>
+            <a:r>
+              <a:rPr lang="zh-TW" altLang="en-US" dirty="0" smtClean="0"/>
+              <a:t>時，將</a:t>
+            </a:r>
+            <a:r>
+              <a:rPr lang="en-US" altLang="zh-TW" dirty="0" smtClean="0"/>
+              <a:t>GW431 flag</a:t>
+            </a:r>
+            <a:r>
+              <a:rPr lang="zh-TW" altLang="en-US" dirty="0" smtClean="0"/>
+              <a:t>打開，產生</a:t>
+            </a:r>
+            <a:r>
+              <a:rPr lang="en-US" altLang="zh-TW" dirty="0" smtClean="0"/>
+              <a:t>input</a:t>
+            </a:r>
+            <a:r>
+              <a:rPr lang="zh-TW" altLang="en-US" dirty="0"/>
+              <a:t>或是到</a:t>
+            </a:r>
+            <a:r>
+              <a:rPr lang="en-US" altLang="zh-TW" dirty="0" smtClean="0"/>
+              <a:t>GW431</a:t>
+            </a:r>
+            <a:r>
+              <a:rPr lang="zh-TW" altLang="en-US" dirty="0" smtClean="0"/>
+              <a:t>跑模擬</a:t>
+            </a:r>
+            <a:endParaRPr lang="en-US" altLang="zh-TW" dirty="0"/>
+          </a:p>
+        </p:txBody>
+      </p:sp>
+    </p:spTree>
+    <p:extLst>
+      <p:ext uri="{BB962C8B-B14F-4D97-AF65-F5344CB8AC3E}">
+        <p14:creationId xmlns:p14="http://schemas.microsoft.com/office/powerpoint/2010/main" val="2461941845"/>
+      </p:ext>
+    </p:extLst>
+  </p:cSld>
+  <p:clrMapOvr>
+    <a:masterClrMapping/>
+  </p:clrMapOvr>
+</p:sld>
+</file>
+
+<file path=ppt/slides/slide3.xml><?xml version="1.0" encoding="utf-8"?>
+<p:sld xmlns:a="http://schemas.openxmlformats.org/drawingml/2006/main" xmlns:r="http://schemas.openxmlformats.org/officeDocument/2006/relationships" xmlns:p="http://schemas.openxmlformats.org/presentationml/2006/main">
+  <p:cSld>
+    <p:spTree>
+      <p:nvGrpSpPr>
+        <p:cNvPr id="1" name=""/>
+        <p:cNvGrpSpPr/>
+        <p:nvPr/>
+      </p:nvGrpSpPr>
+      <p:grpSpPr>
+        <a:xfrm>
+          <a:off x="0" y="0"/>
+          <a:ext cx="0" cy="0"/>
+          <a:chOff x="0" y="0"/>
+          <a:chExt cx="0" cy="0"/>
+        </a:xfrm>
+      </p:grpSpPr>
+      <p:sp>
+        <p:nvSpPr>
+          <p:cNvPr id="29" name="文字方塊 28"/>
+          <p:cNvSpPr txBox="1"/>
+          <p:nvPr/>
+        </p:nvSpPr>
+        <p:spPr>
+          <a:xfrm>
+            <a:off x="527963" y="332656"/>
+            <a:ext cx="3108543" cy="584775"/>
+          </a:xfrm>
+          <a:prstGeom prst="rect">
+            <a:avLst/>
+          </a:prstGeom>
+          <a:noFill/>
+        </p:spPr>
+        <p:txBody>
+          <a:bodyPr wrap="none" rtlCol="0">
+            <a:spAutoFit/>
+          </a:bodyPr>
+          <a:lstStyle/>
+          <a:p>
+            <a:pPr marL="457200" indent="-457200">
+              <a:buFont typeface="Arial" panose="020B0604020202020204" pitchFamily="34" charset="0"/>
+              <a:buChar char="•"/>
+            </a:pPr>
+            <a:r>
+              <a:rPr lang="zh-TW" altLang="en-US" sz="3200" dirty="0" smtClean="0"/>
+              <a:t>模擬參數設定</a:t>
+            </a:r>
+            <a:endParaRPr lang="zh-TW" altLang="en-US" sz="3200" dirty="0"/>
+          </a:p>
+        </p:txBody>
+      </p:sp>
+      <p:pic>
+        <p:nvPicPr>
+          <p:cNvPr id="30" name="Picture 2"/>
+          <p:cNvPicPr>
+            <a:picLocks noChangeAspect="1" noChangeArrowheads="1"/>
+          </p:cNvPicPr>
+          <p:nvPr/>
+        </p:nvPicPr>
+        <p:blipFill>
+          <a:blip r:embed="rId2">
+            <a:extLst>
+              <a:ext uri="{28A0092B-C50C-407E-A947-70E740481C1C}">
+                <a14:useLocalDpi xmlns:a14="http://schemas.microsoft.com/office/drawing/2010/main" val="0"/>
+              </a:ext>
+            </a:extLst>
+          </a:blip>
+          <a:srcRect/>
+          <a:stretch>
+            <a:fillRect/>
+          </a:stretch>
+        </p:blipFill>
+        <p:spPr bwMode="auto">
+          <a:xfrm>
+            <a:off x="395536" y="945918"/>
+            <a:ext cx="8543750" cy="3613670"/>
+          </a:xfrm>
+          <a:prstGeom prst="rect">
+            <a:avLst/>
+          </a:prstGeom>
+          <a:noFill/>
+          <a:ln>
+            <a:noFill/>
+          </a:ln>
+          <a:extLst>
+            <a:ext uri="{909E8E84-426E-40DD-AFC4-6F175D3DCCD1}">
+              <a14:hiddenFill xmlns:a14="http://schemas.microsoft.com/office/drawing/2010/main">
+                <a:solidFill>
+                  <a:schemeClr val="accent1"/>
+                </a:solidFill>
+              </a14:hiddenFill>
+            </a:ext>
+            <a:ext uri="{91240B29-F687-4F45-9708-019B960494DF}">
+              <a14:hiddenLine xmlns:a14="http://schemas.microsoft.com/office/drawing/2010/main" w="9525">
+                <a:solidFill>
+                  <a:schemeClr val="tx1"/>
+                </a:solidFill>
+                <a:miter lim="800000"/>
+                <a:headEnd/>
+                <a:tailEnd/>
+              </a14:hiddenLine>
+            </a:ext>
+          </a:extLst>
+        </p:spPr>
+      </p:pic>
+      <p:sp>
+        <p:nvSpPr>
+          <p:cNvPr id="31" name="直線圖說文字 1 30"/>
+          <p:cNvSpPr/>
+          <p:nvPr/>
+        </p:nvSpPr>
+        <p:spPr>
+          <a:xfrm>
+            <a:off x="3923928" y="1628800"/>
+            <a:ext cx="4353770" cy="328042"/>
+          </a:xfrm>
+          <a:prstGeom prst="borderCallout1">
+            <a:avLst>
+              <a:gd name="adj1" fmla="val 51934"/>
+              <a:gd name="adj2" fmla="val -1932"/>
+              <a:gd name="adj3" fmla="val 472773"/>
+              <a:gd name="adj4" fmla="val -43268"/>
+            </a:avLst>
+          </a:prstGeom>
+          <a:ln>
+            <a:solidFill>
+              <a:srgbClr val="FF0000"/>
+            </a:solidFill>
+          </a:ln>
         </p:spPr>
         <p:style>
           <a:lnRef idx="2">
@@ -4300,29 +4825,869 @@
           </a:fontRef>
         </p:style>
         <p:txBody>
-          <a:bodyPr rtlCol="0" anchor="t"/>
-          <a:lstStyle/>
-          <a:p>
-            <a:r>
-              <a:rPr lang="en-US" altLang="zh-TW" dirty="0" smtClean="0"/>
-              <a:t>GW1</a:t>
-            </a:r>
-            <a:endParaRPr lang="zh-TW" altLang="en-US" dirty="0"/>
-          </a:p>
-        </p:txBody>
-      </p:sp>
-      <p:sp>
-        <p:nvSpPr>
-          <p:cNvPr id="6" name="矩形 5"/>
+          <a:bodyPr rtlCol="0" anchor="ctr"/>
+          <a:lstStyle/>
+          <a:p>
+            <a:pPr algn="ctr"/>
+            <a:r>
+              <a:rPr lang="en-US" altLang="zh-TW" sz="1200" dirty="0" smtClean="0">
+                <a:latin typeface="微軟正黑體" panose="020B0604030504040204" pitchFamily="34" charset="-120"/>
+                <a:ea typeface="微軟正黑體" panose="020B0604030504040204" pitchFamily="34" charset="-120"/>
+              </a:rPr>
+              <a:t>GW</a:t>
+            </a:r>
+            <a:r>
+              <a:rPr lang="zh-TW" altLang="en-US" sz="1200" dirty="0" smtClean="0">
+                <a:latin typeface="微軟正黑體" panose="020B0604030504040204" pitchFamily="34" charset="-120"/>
+                <a:ea typeface="微軟正黑體" panose="020B0604030504040204" pitchFamily="34" charset="-120"/>
+              </a:rPr>
+              <a:t>數量</a:t>
+            </a:r>
+            <a:endParaRPr lang="zh-TW" altLang="en-US" sz="1200" dirty="0">
+              <a:latin typeface="微軟正黑體" panose="020B0604030504040204" pitchFamily="34" charset="-120"/>
+              <a:ea typeface="微軟正黑體" panose="020B0604030504040204" pitchFamily="34" charset="-120"/>
+            </a:endParaRPr>
+          </a:p>
+        </p:txBody>
+      </p:sp>
+      <p:sp>
+        <p:nvSpPr>
+          <p:cNvPr id="32" name="直線圖說文字 1 31"/>
           <p:cNvSpPr/>
           <p:nvPr/>
         </p:nvSpPr>
         <p:spPr>
           <a:xfrm>
-            <a:off x="1295637" y="2060848"/>
-            <a:ext cx="2880320" cy="360040"/>
+            <a:off x="3930449" y="2060848"/>
+            <a:ext cx="4353770" cy="328042"/>
+          </a:xfrm>
+          <a:prstGeom prst="borderCallout1">
+            <a:avLst>
+              <a:gd name="adj1" fmla="val 51934"/>
+              <a:gd name="adj2" fmla="val -1932"/>
+              <a:gd name="adj3" fmla="val 411190"/>
+              <a:gd name="adj4" fmla="val -43757"/>
+            </a:avLst>
+          </a:prstGeom>
+          <a:ln>
+            <a:solidFill>
+              <a:srgbClr val="FF0000"/>
+            </a:solidFill>
+          </a:ln>
+        </p:spPr>
+        <p:style>
+          <a:lnRef idx="2">
+            <a:schemeClr val="accent1">
+              <a:shade val="50000"/>
+            </a:schemeClr>
+          </a:lnRef>
+          <a:fillRef idx="1">
+            <a:schemeClr val="accent1"/>
+          </a:fillRef>
+          <a:effectRef idx="0">
+            <a:schemeClr val="accent1"/>
+          </a:effectRef>
+          <a:fontRef idx="minor">
+            <a:schemeClr val="lt1"/>
+          </a:fontRef>
+        </p:style>
+        <p:txBody>
+          <a:bodyPr rtlCol="0" anchor="ctr"/>
+          <a:lstStyle/>
+          <a:p>
+            <a:pPr algn="ctr"/>
+            <a:r>
+              <a:rPr lang="zh-TW" altLang="en-US" sz="1200" dirty="0" smtClean="0">
+                <a:latin typeface="微軟正黑體" panose="020B0604030504040204" pitchFamily="34" charset="-120"/>
+                <a:ea typeface="微軟正黑體" panose="020B0604030504040204" pitchFamily="34" charset="-120"/>
+              </a:rPr>
+              <a:t>每個</a:t>
+            </a:r>
+            <a:r>
+              <a:rPr lang="en-US" altLang="zh-TW" sz="1200" dirty="0" smtClean="0">
+                <a:latin typeface="微軟正黑體" panose="020B0604030504040204" pitchFamily="34" charset="-120"/>
+                <a:ea typeface="微軟正黑體" panose="020B0604030504040204" pitchFamily="34" charset="-120"/>
+              </a:rPr>
+              <a:t>GW</a:t>
+            </a:r>
+            <a:r>
+              <a:rPr lang="zh-TW" altLang="en-US" sz="1200" dirty="0" smtClean="0">
+                <a:latin typeface="微軟正黑體" panose="020B0604030504040204" pitchFamily="34" charset="-120"/>
+                <a:ea typeface="微軟正黑體" panose="020B0604030504040204" pitchFamily="34" charset="-120"/>
+              </a:rPr>
+              <a:t>中的</a:t>
+            </a:r>
+            <a:r>
+              <a:rPr lang="en-US" altLang="zh-TW" sz="1200" dirty="0" smtClean="0">
+                <a:latin typeface="微軟正黑體" panose="020B0604030504040204" pitchFamily="34" charset="-120"/>
+                <a:ea typeface="微軟正黑體" panose="020B0604030504040204" pitchFamily="34" charset="-120"/>
+              </a:rPr>
+              <a:t>task</a:t>
+            </a:r>
+            <a:r>
+              <a:rPr lang="zh-TW" altLang="en-US" sz="1200" dirty="0" smtClean="0">
+                <a:latin typeface="微軟正黑體" panose="020B0604030504040204" pitchFamily="34" charset="-120"/>
+                <a:ea typeface="微軟正黑體" panose="020B0604030504040204" pitchFamily="34" charset="-120"/>
+              </a:rPr>
+              <a:t>數量</a:t>
+            </a:r>
+            <a:endParaRPr lang="zh-TW" altLang="en-US" sz="1200" dirty="0">
+              <a:latin typeface="微軟正黑體" panose="020B0604030504040204" pitchFamily="34" charset="-120"/>
+              <a:ea typeface="微軟正黑體" panose="020B0604030504040204" pitchFamily="34" charset="-120"/>
+            </a:endParaRPr>
+          </a:p>
+        </p:txBody>
+      </p:sp>
+      <p:sp>
+        <p:nvSpPr>
+          <p:cNvPr id="33" name="直線圖說文字 1 32"/>
+          <p:cNvSpPr/>
+          <p:nvPr/>
+        </p:nvSpPr>
+        <p:spPr>
+          <a:xfrm>
+            <a:off x="3927665" y="2588732"/>
+            <a:ext cx="4353770" cy="328042"/>
+          </a:xfrm>
+          <a:prstGeom prst="borderCallout1">
+            <a:avLst>
+              <a:gd name="adj1" fmla="val 51934"/>
+              <a:gd name="adj2" fmla="val -1932"/>
+              <a:gd name="adj3" fmla="val 333401"/>
+              <a:gd name="adj4" fmla="val -35209"/>
+            </a:avLst>
+          </a:prstGeom>
+          <a:ln>
+            <a:solidFill>
+              <a:srgbClr val="FF0000"/>
+            </a:solidFill>
+          </a:ln>
+        </p:spPr>
+        <p:style>
+          <a:lnRef idx="2">
+            <a:schemeClr val="accent1">
+              <a:shade val="50000"/>
+            </a:schemeClr>
+          </a:lnRef>
+          <a:fillRef idx="1">
+            <a:schemeClr val="accent1"/>
+          </a:fillRef>
+          <a:effectRef idx="0">
+            <a:schemeClr val="accent1"/>
+          </a:effectRef>
+          <a:fontRef idx="minor">
+            <a:schemeClr val="lt1"/>
+          </a:fontRef>
+        </p:style>
+        <p:txBody>
+          <a:bodyPr rtlCol="0" anchor="ctr"/>
+          <a:lstStyle/>
+          <a:p>
+            <a:pPr algn="ctr"/>
+            <a:r>
+              <a:rPr lang="zh-TW" altLang="en-US" sz="1200" dirty="0" smtClean="0">
+                <a:latin typeface="微軟正黑體" panose="020B0604030504040204" pitchFamily="34" charset="-120"/>
+                <a:ea typeface="微軟正黑體" panose="020B0604030504040204" pitchFamily="34" charset="-120"/>
+              </a:rPr>
+              <a:t>每個</a:t>
+            </a:r>
+            <a:r>
+              <a:rPr lang="en-US" altLang="zh-TW" sz="1200" dirty="0" smtClean="0">
+                <a:latin typeface="微軟正黑體" panose="020B0604030504040204" pitchFamily="34" charset="-120"/>
+                <a:ea typeface="微軟正黑體" panose="020B0604030504040204" pitchFamily="34" charset="-120"/>
+              </a:rPr>
+              <a:t>GW</a:t>
+            </a:r>
+            <a:r>
+              <a:rPr lang="zh-TW" altLang="en-US" sz="1200" dirty="0" smtClean="0">
+                <a:latin typeface="微軟正黑體" panose="020B0604030504040204" pitchFamily="34" charset="-120"/>
+                <a:ea typeface="微軟正黑體" panose="020B0604030504040204" pitchFamily="34" charset="-120"/>
+              </a:rPr>
+              <a:t>的</a:t>
+            </a:r>
+            <a:r>
+              <a:rPr lang="en-US" altLang="zh-TW" sz="1200" dirty="0" smtClean="0">
+                <a:latin typeface="微軟正黑體" panose="020B0604030504040204" pitchFamily="34" charset="-120"/>
+                <a:ea typeface="微軟正黑體" panose="020B0604030504040204" pitchFamily="34" charset="-120"/>
+              </a:rPr>
+              <a:t>workload</a:t>
+            </a:r>
+            <a:endParaRPr lang="zh-TW" altLang="en-US" sz="1200" dirty="0">
+              <a:latin typeface="微軟正黑體" panose="020B0604030504040204" pitchFamily="34" charset="-120"/>
+              <a:ea typeface="微軟正黑體" panose="020B0604030504040204" pitchFamily="34" charset="-120"/>
+            </a:endParaRPr>
+          </a:p>
+        </p:txBody>
+      </p:sp>
+      <p:sp>
+        <p:nvSpPr>
+          <p:cNvPr id="34" name="直線圖說文字 1 33"/>
+          <p:cNvSpPr/>
+          <p:nvPr/>
+        </p:nvSpPr>
+        <p:spPr>
+          <a:xfrm>
+            <a:off x="3923928" y="3068960"/>
+            <a:ext cx="4353770" cy="328042"/>
+          </a:xfrm>
+          <a:prstGeom prst="borderCallout1">
+            <a:avLst>
+              <a:gd name="adj1" fmla="val 51934"/>
+              <a:gd name="adj2" fmla="val -1932"/>
+              <a:gd name="adj3" fmla="val 249129"/>
+              <a:gd name="adj4" fmla="val -31057"/>
+            </a:avLst>
+          </a:prstGeom>
+          <a:ln>
+            <a:solidFill>
+              <a:srgbClr val="FF0000"/>
+            </a:solidFill>
+          </a:ln>
+        </p:spPr>
+        <p:style>
+          <a:lnRef idx="2">
+            <a:schemeClr val="accent1">
+              <a:shade val="50000"/>
+            </a:schemeClr>
+          </a:lnRef>
+          <a:fillRef idx="1">
+            <a:schemeClr val="accent1"/>
+          </a:fillRef>
+          <a:effectRef idx="0">
+            <a:schemeClr val="accent1"/>
+          </a:effectRef>
+          <a:fontRef idx="minor">
+            <a:schemeClr val="lt1"/>
+          </a:fontRef>
+        </p:style>
+        <p:txBody>
+          <a:bodyPr rtlCol="0" anchor="ctr"/>
+          <a:lstStyle/>
+          <a:p>
+            <a:pPr algn="ctr"/>
+            <a:r>
+              <a:rPr lang="zh-TW" altLang="en-US" sz="1200" dirty="0" smtClean="0">
+                <a:latin typeface="微軟正黑體" panose="020B0604030504040204" pitchFamily="34" charset="-120"/>
+                <a:ea typeface="微軟正黑體" panose="020B0604030504040204" pitchFamily="34" charset="-120"/>
+              </a:rPr>
+              <a:t>單一</a:t>
+            </a:r>
+            <a:r>
+              <a:rPr lang="en-US" altLang="zh-TW" sz="1200" dirty="0" smtClean="0">
+                <a:latin typeface="微軟正黑體" panose="020B0604030504040204" pitchFamily="34" charset="-120"/>
+                <a:ea typeface="微軟正黑體" panose="020B0604030504040204" pitchFamily="34" charset="-120"/>
+              </a:rPr>
+              <a:t>task</a:t>
+            </a:r>
+            <a:r>
+              <a:rPr lang="zh-TW" altLang="en-US" sz="1200" dirty="0" smtClean="0">
+                <a:latin typeface="微軟正黑體" panose="020B0604030504040204" pitchFamily="34" charset="-120"/>
+                <a:ea typeface="微軟正黑體" panose="020B0604030504040204" pitchFamily="34" charset="-120"/>
+              </a:rPr>
+              <a:t>的最小利用率</a:t>
+            </a:r>
+            <a:endParaRPr lang="zh-TW" altLang="en-US" sz="1200" dirty="0">
+              <a:latin typeface="微軟正黑體" panose="020B0604030504040204" pitchFamily="34" charset="-120"/>
+              <a:ea typeface="微軟正黑體" panose="020B0604030504040204" pitchFamily="34" charset="-120"/>
+            </a:endParaRPr>
+          </a:p>
+        </p:txBody>
+      </p:sp>
+      <p:sp>
+        <p:nvSpPr>
+          <p:cNvPr id="35" name="直線圖說文字 1 34"/>
+          <p:cNvSpPr/>
+          <p:nvPr/>
+        </p:nvSpPr>
+        <p:spPr>
+          <a:xfrm>
+            <a:off x="3923928" y="3549402"/>
+            <a:ext cx="4353770" cy="599678"/>
+          </a:xfrm>
+          <a:prstGeom prst="borderCallout1">
+            <a:avLst>
+              <a:gd name="adj1" fmla="val 51934"/>
+              <a:gd name="adj2" fmla="val -1932"/>
+              <a:gd name="adj3" fmla="val 94794"/>
+              <a:gd name="adj4" fmla="val -47419"/>
+            </a:avLst>
+          </a:prstGeom>
+          <a:ln>
+            <a:solidFill>
+              <a:srgbClr val="FF0000"/>
+            </a:solidFill>
+          </a:ln>
+        </p:spPr>
+        <p:style>
+          <a:lnRef idx="2">
+            <a:schemeClr val="accent1">
+              <a:shade val="50000"/>
+            </a:schemeClr>
+          </a:lnRef>
+          <a:fillRef idx="1">
+            <a:schemeClr val="accent1"/>
+          </a:fillRef>
+          <a:effectRef idx="0">
+            <a:schemeClr val="accent1"/>
+          </a:effectRef>
+          <a:fontRef idx="minor">
+            <a:schemeClr val="lt1"/>
+          </a:fontRef>
+        </p:style>
+        <p:txBody>
+          <a:bodyPr rtlCol="0" anchor="ctr"/>
+          <a:lstStyle/>
+          <a:p>
+            <a:pPr algn="ctr"/>
+            <a:r>
+              <a:rPr lang="zh-TW" altLang="en-US" sz="1200" dirty="0" smtClean="0">
+                <a:latin typeface="微軟正黑體" panose="020B0604030504040204" pitchFamily="34" charset="-120"/>
+                <a:ea typeface="微軟正黑體" panose="020B0604030504040204" pitchFamily="34" charset="-120"/>
+              </a:rPr>
+              <a:t>每個</a:t>
+            </a:r>
+            <a:r>
+              <a:rPr lang="en-US" altLang="zh-TW" sz="1200" dirty="0" smtClean="0">
+                <a:latin typeface="微軟正黑體" panose="020B0604030504040204" pitchFamily="34" charset="-120"/>
+                <a:ea typeface="微軟正黑體" panose="020B0604030504040204" pitchFamily="34" charset="-120"/>
+              </a:rPr>
+              <a:t>GW</a:t>
+            </a:r>
+            <a:r>
+              <a:rPr lang="zh-TW" altLang="en-US" sz="1200" dirty="0" smtClean="0">
+                <a:latin typeface="微軟正黑體" panose="020B0604030504040204" pitchFamily="34" charset="-120"/>
+                <a:ea typeface="微軟正黑體" panose="020B0604030504040204" pitchFamily="34" charset="-120"/>
+              </a:rPr>
+              <a:t>的</a:t>
+            </a:r>
+            <a:r>
+              <a:rPr lang="en-US" altLang="zh-TW" sz="1200" dirty="0" smtClean="0">
+                <a:latin typeface="微軟正黑體" panose="020B0604030504040204" pitchFamily="34" charset="-120"/>
+                <a:ea typeface="微軟正黑體" panose="020B0604030504040204" pitchFamily="34" charset="-120"/>
+              </a:rPr>
+              <a:t>m (</a:t>
+            </a:r>
+            <a:r>
+              <a:rPr lang="zh-TW" altLang="en-US" sz="1200" dirty="0" smtClean="0">
+                <a:latin typeface="微軟正黑體" panose="020B0604030504040204" pitchFamily="34" charset="-120"/>
+                <a:ea typeface="微軟正黑體" panose="020B0604030504040204" pitchFamily="34" charset="-120"/>
+              </a:rPr>
+              <a:t>預設就是</a:t>
+            </a:r>
+            <a:r>
+              <a:rPr lang="en-US" altLang="zh-TW" sz="1200" dirty="0" smtClean="0">
+                <a:latin typeface="微軟正黑體" panose="020B0604030504040204" pitchFamily="34" charset="-120"/>
+                <a:ea typeface="微軟正黑體" panose="020B0604030504040204" pitchFamily="34" charset="-120"/>
+              </a:rPr>
+              <a:t>0.5</a:t>
+            </a:r>
+            <a:r>
+              <a:rPr lang="zh-TW" altLang="en-US" sz="1200" dirty="0" smtClean="0">
+                <a:latin typeface="微軟正黑體" panose="020B0604030504040204" pitchFamily="34" charset="-120"/>
+                <a:ea typeface="微軟正黑體" panose="020B0604030504040204" pitchFamily="34" charset="-120"/>
+              </a:rPr>
+              <a:t>，若要跑</a:t>
+            </a:r>
+            <a:r>
+              <a:rPr lang="en-US" altLang="zh-TW" sz="1200" dirty="0" smtClean="0">
+                <a:latin typeface="微軟正黑體" panose="020B0604030504040204" pitchFamily="34" charset="-120"/>
+                <a:ea typeface="微軟正黑體" panose="020B0604030504040204" pitchFamily="34" charset="-120"/>
+              </a:rPr>
+              <a:t>m</a:t>
+            </a:r>
+            <a:r>
+              <a:rPr lang="zh-TW" altLang="en-US" sz="1200" dirty="0" smtClean="0">
+                <a:latin typeface="微軟正黑體" panose="020B0604030504040204" pitchFamily="34" charset="-120"/>
+                <a:ea typeface="微軟正黑體" panose="020B0604030504040204" pitchFamily="34" charset="-120"/>
+              </a:rPr>
+              <a:t>的實驗，這邊改完後編譯成新的執行檔即可，記得之前的實驗結果要先存起來，因為輸出結果的檔名相同會被覆蓋掉</a:t>
+            </a:r>
+            <a:r>
+              <a:rPr lang="en-US" altLang="zh-TW" sz="1200" dirty="0" smtClean="0">
+                <a:latin typeface="微軟正黑體" panose="020B0604030504040204" pitchFamily="34" charset="-120"/>
+                <a:ea typeface="微軟正黑體" panose="020B0604030504040204" pitchFamily="34" charset="-120"/>
+              </a:rPr>
+              <a:t>)</a:t>
+            </a:r>
+            <a:endParaRPr lang="zh-TW" altLang="en-US" sz="1200" dirty="0">
+              <a:latin typeface="微軟正黑體" panose="020B0604030504040204" pitchFamily="34" charset="-120"/>
+              <a:ea typeface="微軟正黑體" panose="020B0604030504040204" pitchFamily="34" charset="-120"/>
+            </a:endParaRPr>
+          </a:p>
+        </p:txBody>
+      </p:sp>
+      <p:sp>
+        <p:nvSpPr>
+          <p:cNvPr id="36" name="直線圖說文字 1 35"/>
+          <p:cNvSpPr/>
+          <p:nvPr/>
+        </p:nvSpPr>
+        <p:spPr>
+          <a:xfrm>
+            <a:off x="3923928" y="4231546"/>
+            <a:ext cx="4353770" cy="637614"/>
+          </a:xfrm>
+          <a:prstGeom prst="borderCallout1">
+            <a:avLst>
+              <a:gd name="adj1" fmla="val 51934"/>
+              <a:gd name="adj2" fmla="val -1932"/>
+              <a:gd name="adj3" fmla="val 38450"/>
+              <a:gd name="adj4" fmla="val -14206"/>
+            </a:avLst>
+          </a:prstGeom>
+          <a:ln>
+            <a:solidFill>
+              <a:srgbClr val="FF0000"/>
+            </a:solidFill>
+          </a:ln>
+        </p:spPr>
+        <p:style>
+          <a:lnRef idx="2">
+            <a:schemeClr val="accent1">
+              <a:shade val="50000"/>
+            </a:schemeClr>
+          </a:lnRef>
+          <a:fillRef idx="1">
+            <a:schemeClr val="accent1"/>
+          </a:fillRef>
+          <a:effectRef idx="0">
+            <a:schemeClr val="accent1"/>
+          </a:effectRef>
+          <a:fontRef idx="minor">
+            <a:schemeClr val="lt1"/>
+          </a:fontRef>
+        </p:style>
+        <p:txBody>
+          <a:bodyPr rtlCol="0" anchor="ctr"/>
+          <a:lstStyle/>
+          <a:p>
+            <a:pPr algn="ctr"/>
+            <a:r>
+              <a:rPr lang="en-US" altLang="zh-TW" sz="1200" dirty="0" smtClean="0">
+                <a:latin typeface="微軟正黑體" panose="020B0604030504040204" pitchFamily="34" charset="-120"/>
+                <a:ea typeface="微軟正黑體" panose="020B0604030504040204" pitchFamily="34" charset="-120"/>
+              </a:rPr>
+              <a:t>Normalized BW</a:t>
+            </a:r>
+            <a:r>
+              <a:rPr lang="zh-TW" altLang="en-US" sz="1200" dirty="0" smtClean="0">
+                <a:latin typeface="微軟正黑體" panose="020B0604030504040204" pitchFamily="34" charset="-120"/>
+                <a:ea typeface="微軟正黑體" panose="020B0604030504040204" pitchFamily="34" charset="-120"/>
+              </a:rPr>
+              <a:t>，</a:t>
+            </a:r>
+            <a:r>
+              <a:rPr lang="zh-TW" altLang="en-US" sz="1200" dirty="0">
+                <a:latin typeface="微軟正黑體" panose="020B0604030504040204" pitchFamily="34" charset="-120"/>
+                <a:ea typeface="微軟正黑體" panose="020B0604030504040204" pitchFamily="34" charset="-120"/>
+              </a:rPr>
+              <a:t>由於</a:t>
+            </a:r>
+            <a:r>
+              <a:rPr lang="en-US" altLang="zh-TW" sz="1200" dirty="0">
+                <a:latin typeface="微軟正黑體" panose="020B0604030504040204" pitchFamily="34" charset="-120"/>
+                <a:ea typeface="微軟正黑體" panose="020B0604030504040204" pitchFamily="34" charset="-120"/>
+              </a:rPr>
+              <a:t>traffic</a:t>
+            </a:r>
+            <a:r>
+              <a:rPr lang="zh-TW" altLang="en-US" sz="1200" dirty="0" smtClean="0">
+                <a:latin typeface="微軟正黑體" panose="020B0604030504040204" pitchFamily="34" charset="-120"/>
+                <a:ea typeface="微軟正黑體" panose="020B0604030504040204" pitchFamily="34" charset="-120"/>
+              </a:rPr>
+              <a:t>是</a:t>
+            </a:r>
+            <a:r>
+              <a:rPr lang="en-US" altLang="zh-TW" sz="1200" dirty="0" smtClean="0">
+                <a:latin typeface="微軟正黑體" panose="020B0604030504040204" pitchFamily="34" charset="-120"/>
+                <a:ea typeface="微軟正黑體" panose="020B0604030504040204" pitchFamily="34" charset="-120"/>
+              </a:rPr>
+              <a:t>BW</a:t>
+            </a:r>
+            <a:r>
+              <a:rPr lang="zh-TW" altLang="en-US" sz="1200" dirty="0" smtClean="0">
+                <a:latin typeface="微軟正黑體" panose="020B0604030504040204" pitchFamily="34" charset="-120"/>
+                <a:ea typeface="微軟正黑體" panose="020B0604030504040204" pitchFamily="34" charset="-120"/>
+              </a:rPr>
+              <a:t>的倒數，所以要做</a:t>
+            </a:r>
+            <a:r>
+              <a:rPr lang="en-US" altLang="zh-TW" sz="1200" dirty="0" smtClean="0">
+                <a:latin typeface="微軟正黑體" panose="020B0604030504040204" pitchFamily="34" charset="-120"/>
+                <a:ea typeface="微軟正黑體" panose="020B0604030504040204" pitchFamily="34" charset="-120"/>
+              </a:rPr>
+              <a:t>BW</a:t>
+            </a:r>
+            <a:r>
+              <a:rPr lang="zh-TW" altLang="en-US" sz="1200" dirty="0" smtClean="0">
+                <a:latin typeface="微軟正黑體" panose="020B0604030504040204" pitchFamily="34" charset="-120"/>
+                <a:ea typeface="微軟正黑體" panose="020B0604030504040204" pitchFamily="34" charset="-120"/>
+              </a:rPr>
+              <a:t>實驗只要修改成 </a:t>
+            </a:r>
+            <a:r>
+              <a:rPr lang="en-US" altLang="zh-TW" sz="1200" dirty="0" smtClean="0">
+                <a:latin typeface="微軟正黑體" panose="020B0604030504040204" pitchFamily="34" charset="-120"/>
+                <a:ea typeface="微軟正黑體" panose="020B0604030504040204" pitchFamily="34" charset="-120"/>
+              </a:rPr>
+              <a:t>1/(</a:t>
+            </a:r>
+            <a:r>
+              <a:rPr lang="zh-TW" altLang="en-US" sz="1200" dirty="0" smtClean="0">
+                <a:latin typeface="微軟正黑體" panose="020B0604030504040204" pitchFamily="34" charset="-120"/>
+                <a:ea typeface="微軟正黑體" panose="020B0604030504040204" pitchFamily="34" charset="-120"/>
+              </a:rPr>
+              <a:t>要跑的</a:t>
+            </a:r>
+            <a:r>
+              <a:rPr lang="en-US" altLang="zh-TW" sz="1200" dirty="0" smtClean="0">
+                <a:latin typeface="微軟正黑體" panose="020B0604030504040204" pitchFamily="34" charset="-120"/>
+                <a:ea typeface="微軟正黑體" panose="020B0604030504040204" pitchFamily="34" charset="-120"/>
+              </a:rPr>
+              <a:t>BW)</a:t>
+            </a:r>
+            <a:r>
+              <a:rPr lang="zh-TW" altLang="en-US" sz="1200" dirty="0" smtClean="0">
+                <a:latin typeface="微軟正黑體" panose="020B0604030504040204" pitchFamily="34" charset="-120"/>
+                <a:ea typeface="微軟正黑體" panose="020B0604030504040204" pitchFamily="34" charset="-120"/>
+              </a:rPr>
+              <a:t> 即可，一樣記得先前的結果要存起來避免被新的實驗覆蓋</a:t>
+            </a:r>
+            <a:endParaRPr lang="zh-TW" altLang="en-US" sz="1200" dirty="0">
+              <a:latin typeface="微軟正黑體" panose="020B0604030504040204" pitchFamily="34" charset="-120"/>
+              <a:ea typeface="微軟正黑體" panose="020B0604030504040204" pitchFamily="34" charset="-120"/>
+            </a:endParaRPr>
+          </a:p>
+        </p:txBody>
+      </p:sp>
+      <p:sp>
+        <p:nvSpPr>
+          <p:cNvPr id="37" name="文字方塊 36"/>
+          <p:cNvSpPr txBox="1"/>
+          <p:nvPr/>
+        </p:nvSpPr>
+        <p:spPr>
+          <a:xfrm>
+            <a:off x="370334" y="5085184"/>
+            <a:ext cx="8568952" cy="1200329"/>
           </a:xfrm>
           <a:prstGeom prst="rect">
+            <a:avLst/>
+          </a:prstGeom>
+          <a:noFill/>
+        </p:spPr>
+        <p:txBody>
+          <a:bodyPr wrap="square" rtlCol="0">
+            <a:spAutoFit/>
+          </a:bodyPr>
+          <a:lstStyle/>
+          <a:p>
+            <a:r>
+              <a:rPr lang="zh-TW" altLang="en-US" dirty="0" smtClean="0"/>
+              <a:t>跑新的設定時，這邊設定改完，編譯成新的執行檔，然後按照跑模擬的步驟</a:t>
+            </a:r>
+            <a:r>
+              <a:rPr lang="en-US" altLang="zh-TW" dirty="0" smtClean="0"/>
+              <a:t>patch &gt; </a:t>
+            </a:r>
+            <a:r>
+              <a:rPr lang="en-US" altLang="zh-TW" dirty="0" err="1" smtClean="0"/>
+              <a:t>config</a:t>
+            </a:r>
+            <a:r>
+              <a:rPr lang="en-US" altLang="zh-TW" dirty="0" smtClean="0"/>
+              <a:t> &gt; run</a:t>
+            </a:r>
+            <a:r>
+              <a:rPr lang="zh-TW" altLang="en-US" dirty="0" smtClean="0"/>
+              <a:t>，記得先前的模擬結果要存起來</a:t>
+            </a:r>
+            <a:r>
+              <a:rPr lang="en-US" altLang="zh-TW" dirty="0" smtClean="0"/>
+              <a:t>(</a:t>
+            </a:r>
+            <a:r>
+              <a:rPr lang="zh-TW" altLang="en-US" dirty="0" smtClean="0"/>
+              <a:t>例如</a:t>
+            </a:r>
+            <a:r>
+              <a:rPr lang="en-US" altLang="zh-TW" dirty="0" smtClean="0"/>
+              <a:t>:</a:t>
+            </a:r>
+            <a:r>
+              <a:rPr lang="zh-TW" altLang="en-US" dirty="0" smtClean="0"/>
+              <a:t> 跑</a:t>
+            </a:r>
+            <a:r>
+              <a:rPr lang="en-US" altLang="zh-TW" dirty="0" smtClean="0"/>
+              <a:t>m=0.5, 0.2, 0.8</a:t>
+            </a:r>
+            <a:r>
+              <a:rPr lang="zh-TW" altLang="en-US" dirty="0" smtClean="0"/>
+              <a:t>三組實驗</a:t>
+            </a:r>
+            <a:r>
+              <a:rPr lang="en-US" altLang="zh-TW" dirty="0" smtClean="0"/>
+              <a:t>)</a:t>
+            </a:r>
+            <a:r>
+              <a:rPr lang="zh-TW" altLang="en-US" dirty="0" smtClean="0"/>
+              <a:t>，若不需要跑完所有</a:t>
+            </a:r>
+            <a:r>
+              <a:rPr lang="en-US" altLang="zh-TW" dirty="0" smtClean="0"/>
+              <a:t>task</a:t>
+            </a:r>
+            <a:r>
+              <a:rPr lang="zh-TW" altLang="en-US" dirty="0" smtClean="0"/>
+              <a:t>數量時，只需用</a:t>
+            </a:r>
+            <a:r>
+              <a:rPr lang="en-US" altLang="zh-TW" dirty="0" err="1" smtClean="0"/>
+              <a:t>config</a:t>
+            </a:r>
+            <a:r>
+              <a:rPr lang="zh-TW" altLang="en-US" dirty="0" smtClean="0"/>
+              <a:t>設定你要的</a:t>
+            </a:r>
+            <a:r>
+              <a:rPr lang="en-US" altLang="zh-TW" dirty="0" smtClean="0"/>
+              <a:t>task</a:t>
+            </a:r>
+            <a:r>
+              <a:rPr lang="zh-TW" altLang="en-US" dirty="0" smtClean="0"/>
+              <a:t>數量，然後直接進去相對應的資料夾個別</a:t>
+            </a:r>
+            <a:r>
+              <a:rPr lang="en-US" altLang="zh-TW" dirty="0" smtClean="0"/>
+              <a:t>run</a:t>
+            </a:r>
+            <a:r>
+              <a:rPr lang="zh-TW" altLang="en-US" dirty="0" smtClean="0"/>
+              <a:t>，再個別檢視結果即可。</a:t>
+            </a:r>
+            <a:endParaRPr lang="zh-TW" altLang="en-US" dirty="0"/>
+          </a:p>
+        </p:txBody>
+      </p:sp>
+    </p:spTree>
+    <p:extLst>
+      <p:ext uri="{BB962C8B-B14F-4D97-AF65-F5344CB8AC3E}">
+        <p14:creationId xmlns:p14="http://schemas.microsoft.com/office/powerpoint/2010/main" val="3218272098"/>
+      </p:ext>
+    </p:extLst>
+  </p:cSld>
+  <p:clrMapOvr>
+    <a:masterClrMapping/>
+  </p:clrMapOvr>
+</p:sld>
+</file>
+
+<file path=ppt/slides/slide4.xml><?xml version="1.0" encoding="utf-8"?>
+<p:sld xmlns:a="http://schemas.openxmlformats.org/drawingml/2006/main" xmlns:r="http://schemas.openxmlformats.org/officeDocument/2006/relationships" xmlns:p="http://schemas.openxmlformats.org/presentationml/2006/main">
+  <p:cSld>
+    <p:spTree>
+      <p:nvGrpSpPr>
+        <p:cNvPr id="1" name=""/>
+        <p:cNvGrpSpPr/>
+        <p:nvPr/>
+      </p:nvGrpSpPr>
+      <p:grpSpPr>
+        <a:xfrm>
+          <a:off x="0" y="0"/>
+          <a:ext cx="0" cy="0"/>
+          <a:chOff x="0" y="0"/>
+          <a:chExt cx="0" cy="0"/>
+        </a:xfrm>
+      </p:grpSpPr>
+      <p:sp>
+        <p:nvSpPr>
+          <p:cNvPr id="4" name="圓角矩形 3"/>
+          <p:cNvSpPr/>
+          <p:nvPr/>
+        </p:nvSpPr>
+        <p:spPr>
+          <a:xfrm>
+            <a:off x="755577" y="2194338"/>
+            <a:ext cx="978559" cy="504056"/>
+          </a:xfrm>
+          <a:prstGeom prst="roundRect">
+            <a:avLst/>
+          </a:prstGeom>
+        </p:spPr>
+        <p:style>
+          <a:lnRef idx="2">
+            <a:schemeClr val="accent1">
+              <a:shade val="50000"/>
+            </a:schemeClr>
+          </a:lnRef>
+          <a:fillRef idx="1">
+            <a:schemeClr val="accent1"/>
+          </a:fillRef>
+          <a:effectRef idx="0">
+            <a:schemeClr val="accent1"/>
+          </a:effectRef>
+          <a:fontRef idx="minor">
+            <a:schemeClr val="lt1"/>
+          </a:fontRef>
+        </p:style>
+        <p:txBody>
+          <a:bodyPr rtlCol="0" anchor="ctr"/>
+          <a:lstStyle/>
+          <a:p>
+            <a:pPr algn="ctr"/>
+            <a:r>
+              <a:rPr lang="en-US" altLang="zh-TW" dirty="0" smtClean="0"/>
+              <a:t>Input</a:t>
+            </a:r>
+            <a:endParaRPr lang="zh-TW" altLang="en-US" dirty="0"/>
+          </a:p>
+        </p:txBody>
+      </p:sp>
+      <p:sp>
+        <p:nvSpPr>
+          <p:cNvPr id="5" name="圓角矩形 4"/>
+          <p:cNvSpPr/>
+          <p:nvPr/>
+        </p:nvSpPr>
+        <p:spPr>
+          <a:xfrm>
+            <a:off x="755576" y="3274458"/>
+            <a:ext cx="978559" cy="504056"/>
+          </a:xfrm>
+          <a:prstGeom prst="roundRect">
+            <a:avLst/>
+          </a:prstGeom>
+        </p:spPr>
+        <p:style>
+          <a:lnRef idx="2">
+            <a:schemeClr val="accent1">
+              <a:shade val="50000"/>
+            </a:schemeClr>
+          </a:lnRef>
+          <a:fillRef idx="1">
+            <a:schemeClr val="accent1"/>
+          </a:fillRef>
+          <a:effectRef idx="0">
+            <a:schemeClr val="accent1"/>
+          </a:effectRef>
+          <a:fontRef idx="minor">
+            <a:schemeClr val="lt1"/>
+          </a:fontRef>
+        </p:style>
+        <p:txBody>
+          <a:bodyPr rtlCol="0" anchor="ctr"/>
+          <a:lstStyle/>
+          <a:p>
+            <a:pPr algn="ctr"/>
+            <a:r>
+              <a:rPr lang="en-US" altLang="zh-TW" dirty="0" smtClean="0"/>
+              <a:t>OFLD</a:t>
+            </a:r>
+            <a:endParaRPr lang="zh-TW" altLang="en-US" dirty="0"/>
+          </a:p>
+        </p:txBody>
+      </p:sp>
+      <p:sp>
+        <p:nvSpPr>
+          <p:cNvPr id="6" name="圓角矩形 5"/>
+          <p:cNvSpPr/>
+          <p:nvPr/>
+        </p:nvSpPr>
+        <p:spPr>
+          <a:xfrm>
+            <a:off x="2745545" y="2194338"/>
+            <a:ext cx="978559" cy="504056"/>
+          </a:xfrm>
+          <a:prstGeom prst="roundRect">
+            <a:avLst/>
+          </a:prstGeom>
+        </p:spPr>
+        <p:style>
+          <a:lnRef idx="2">
+            <a:schemeClr val="accent5">
+              <a:shade val="50000"/>
+            </a:schemeClr>
+          </a:lnRef>
+          <a:fillRef idx="1">
+            <a:schemeClr val="accent5"/>
+          </a:fillRef>
+          <a:effectRef idx="0">
+            <a:schemeClr val="accent5"/>
+          </a:effectRef>
+          <a:fontRef idx="minor">
+            <a:schemeClr val="lt1"/>
+          </a:fontRef>
+        </p:style>
+        <p:txBody>
+          <a:bodyPr rtlCol="0" anchor="ctr"/>
+          <a:lstStyle/>
+          <a:p>
+            <a:pPr algn="ctr"/>
+            <a:r>
+              <a:rPr lang="en-US" altLang="zh-TW" dirty="0" smtClean="0"/>
+              <a:t>Cloud</a:t>
+            </a:r>
+            <a:endParaRPr lang="zh-TW" altLang="en-US" dirty="0"/>
+          </a:p>
+        </p:txBody>
+      </p:sp>
+      <p:sp>
+        <p:nvSpPr>
+          <p:cNvPr id="7" name="圓角矩形 6"/>
+          <p:cNvSpPr/>
+          <p:nvPr/>
+        </p:nvSpPr>
+        <p:spPr>
+          <a:xfrm>
+            <a:off x="2745544" y="3274458"/>
+            <a:ext cx="978559" cy="504056"/>
+          </a:xfrm>
+          <a:prstGeom prst="roundRect">
+            <a:avLst/>
+          </a:prstGeom>
+        </p:spPr>
+        <p:style>
+          <a:lnRef idx="2">
+            <a:schemeClr val="accent3">
+              <a:shade val="50000"/>
+            </a:schemeClr>
+          </a:lnRef>
+          <a:fillRef idx="1">
+            <a:schemeClr val="accent3"/>
+          </a:fillRef>
+          <a:effectRef idx="0">
+            <a:schemeClr val="accent3"/>
+          </a:effectRef>
+          <a:fontRef idx="minor">
+            <a:schemeClr val="lt1"/>
+          </a:fontRef>
+        </p:style>
+        <p:txBody>
+          <a:bodyPr rtlCol="0" anchor="ctr"/>
+          <a:lstStyle/>
+          <a:p>
+            <a:pPr algn="ctr"/>
+            <a:r>
+              <a:rPr lang="en-US" altLang="zh-TW" dirty="0" smtClean="0"/>
+              <a:t>Fog</a:t>
+            </a:r>
+            <a:endParaRPr lang="zh-TW" altLang="en-US" dirty="0"/>
+          </a:p>
+        </p:txBody>
+      </p:sp>
+      <p:sp>
+        <p:nvSpPr>
+          <p:cNvPr id="8" name="圓角矩形 7"/>
+          <p:cNvSpPr/>
+          <p:nvPr/>
+        </p:nvSpPr>
+        <p:spPr>
+          <a:xfrm>
+            <a:off x="2767838" y="4262714"/>
+            <a:ext cx="978559" cy="504056"/>
+          </a:xfrm>
+          <a:prstGeom prst="roundRect">
             <a:avLst/>
           </a:prstGeom>
         </p:spPr>
@@ -4348,39 +5713,38 @@
           <a:p>
             <a:pPr algn="ctr"/>
             <a:r>
-              <a:rPr lang="en-US" altLang="zh-TW" dirty="0" err="1" smtClean="0"/>
-              <a:t>task_q</a:t>
-            </a:r>
-            <a:endParaRPr lang="zh-TW" altLang="en-US" dirty="0"/>
-          </a:p>
-        </p:txBody>
-      </p:sp>
-      <p:sp>
-        <p:nvSpPr>
-          <p:cNvPr id="7" name="矩形 6"/>
+              <a:rPr lang="en-US" altLang="zh-TW" dirty="0" smtClean="0"/>
+              <a:t>Local</a:t>
+            </a:r>
+          </a:p>
+        </p:txBody>
+      </p:sp>
+      <p:sp>
+        <p:nvSpPr>
+          <p:cNvPr id="12" name="菱形 11"/>
           <p:cNvSpPr/>
           <p:nvPr/>
         </p:nvSpPr>
         <p:spPr>
           <a:xfrm>
-            <a:off x="1295637" y="4221088"/>
-            <a:ext cx="2880320" cy="504056"/>
-          </a:xfrm>
-          <a:prstGeom prst="rect">
+            <a:off x="4058999" y="2194338"/>
+            <a:ext cx="1296144" cy="504056"/>
+          </a:xfrm>
+          <a:prstGeom prst="diamond">
             <a:avLst/>
           </a:prstGeom>
         </p:spPr>
         <p:style>
           <a:lnRef idx="2">
-            <a:schemeClr val="accent6">
+            <a:schemeClr val="accent5">
               <a:shade val="50000"/>
             </a:schemeClr>
           </a:lnRef>
           <a:fillRef idx="1">
-            <a:schemeClr val="accent6"/>
+            <a:schemeClr val="accent5"/>
           </a:fillRef>
           <a:effectRef idx="0">
-            <a:schemeClr val="accent6"/>
+            <a:schemeClr val="accent5"/>
           </a:effectRef>
           <a:fontRef idx="minor">
             <a:schemeClr val="lt1"/>
@@ -4392,25 +5756,25 @@
           <a:p>
             <a:pPr algn="ctr"/>
             <a:r>
-              <a:rPr lang="en-US" altLang="zh-TW" dirty="0" smtClean="0"/>
-              <a:t>Result</a:t>
-            </a:r>
-            <a:endParaRPr lang="zh-TW" altLang="en-US" dirty="0"/>
-          </a:p>
-        </p:txBody>
-      </p:sp>
-      <p:sp>
-        <p:nvSpPr>
-          <p:cNvPr id="8" name="矩形 7"/>
+              <a:rPr lang="en-US" altLang="zh-TW" sz="1600" dirty="0" smtClean="0"/>
+              <a:t>ADM</a:t>
+            </a:r>
+            <a:endParaRPr lang="zh-TW" altLang="en-US" sz="1600" dirty="0"/>
+          </a:p>
+        </p:txBody>
+      </p:sp>
+      <p:sp>
+        <p:nvSpPr>
+          <p:cNvPr id="13" name="菱形 12"/>
           <p:cNvSpPr/>
           <p:nvPr/>
         </p:nvSpPr>
         <p:spPr>
           <a:xfrm>
-            <a:off x="1295637" y="2492896"/>
-            <a:ext cx="2880320" cy="360040"/>
-          </a:xfrm>
-          <a:prstGeom prst="rect">
+            <a:off x="4058999" y="3202450"/>
+            <a:ext cx="1296144" cy="648072"/>
+          </a:xfrm>
+          <a:prstGeom prst="diamond">
             <a:avLst/>
           </a:prstGeom>
         </p:spPr>
@@ -4436,29 +5800,471 @@
           <a:p>
             <a:pPr algn="ctr"/>
             <a:r>
-              <a:rPr lang="en-US" altLang="zh-TW" dirty="0" err="1"/>
-              <a:t>l</a:t>
-            </a:r>
-            <a:r>
-              <a:rPr lang="en-US" altLang="zh-TW" dirty="0" err="1" smtClean="0"/>
-              <a:t>ocal_q</a:t>
-            </a:r>
-            <a:endParaRPr lang="zh-TW" altLang="en-US" dirty="0"/>
-          </a:p>
-        </p:txBody>
-      </p:sp>
-      <p:sp>
-        <p:nvSpPr>
-          <p:cNvPr id="9" name="矩形 8"/>
+              <a:rPr lang="en-US" altLang="zh-TW" sz="1600" dirty="0" smtClean="0"/>
+              <a:t>FMWADM</a:t>
+            </a:r>
+            <a:endParaRPr lang="zh-TW" altLang="en-US" sz="1600" dirty="0"/>
+          </a:p>
+        </p:txBody>
+      </p:sp>
+      <p:sp>
+        <p:nvSpPr>
+          <p:cNvPr id="14" name="菱形 13"/>
           <p:cNvSpPr/>
           <p:nvPr/>
         </p:nvSpPr>
         <p:spPr>
           <a:xfrm>
-            <a:off x="1295637" y="2924944"/>
-            <a:ext cx="2880320" cy="360040"/>
-          </a:xfrm>
-          <a:prstGeom prst="rect">
+            <a:off x="4058999" y="4278149"/>
+            <a:ext cx="1296144" cy="504056"/>
+          </a:xfrm>
+          <a:prstGeom prst="diamond">
+            <a:avLst/>
+          </a:prstGeom>
+        </p:spPr>
+        <p:style>
+          <a:lnRef idx="2">
+            <a:schemeClr val="accent4">
+              <a:shade val="50000"/>
+            </a:schemeClr>
+          </a:lnRef>
+          <a:fillRef idx="1">
+            <a:schemeClr val="accent4"/>
+          </a:fillRef>
+          <a:effectRef idx="0">
+            <a:schemeClr val="accent4"/>
+          </a:effectRef>
+          <a:fontRef idx="minor">
+            <a:schemeClr val="lt1"/>
+          </a:fontRef>
+        </p:style>
+        <p:txBody>
+          <a:bodyPr rtlCol="0" anchor="ctr"/>
+          <a:lstStyle/>
+          <a:p>
+            <a:pPr algn="ctr"/>
+            <a:r>
+              <a:rPr lang="en-US" altLang="zh-TW" sz="1600" dirty="0" smtClean="0"/>
+              <a:t>ADM</a:t>
+            </a:r>
+            <a:endParaRPr lang="zh-TW" altLang="en-US" sz="1600" dirty="0"/>
+          </a:p>
+        </p:txBody>
+      </p:sp>
+      <p:cxnSp>
+        <p:nvCxnSpPr>
+          <p:cNvPr id="16" name="肘形接點 15"/>
+          <p:cNvCxnSpPr>
+            <a:stCxn id="5" idx="3"/>
+            <a:endCxn id="6" idx="1"/>
+          </p:cNvCxnSpPr>
+          <p:nvPr/>
+        </p:nvCxnSpPr>
+        <p:spPr>
+          <a:xfrm flipV="1">
+            <a:off x="1734135" y="2446366"/>
+            <a:ext cx="1011410" cy="1080120"/>
+          </a:xfrm>
+          <a:prstGeom prst="bentConnector3">
+            <a:avLst/>
+          </a:prstGeom>
+          <a:ln>
+            <a:tailEnd type="arrow"/>
+          </a:ln>
+        </p:spPr>
+        <p:style>
+          <a:lnRef idx="3">
+            <a:schemeClr val="dk1"/>
+          </a:lnRef>
+          <a:fillRef idx="0">
+            <a:schemeClr val="dk1"/>
+          </a:fillRef>
+          <a:effectRef idx="2">
+            <a:schemeClr val="dk1"/>
+          </a:effectRef>
+          <a:fontRef idx="minor">
+            <a:schemeClr val="tx1"/>
+          </a:fontRef>
+        </p:style>
+      </p:cxnSp>
+      <p:cxnSp>
+        <p:nvCxnSpPr>
+          <p:cNvPr id="18" name="肘形接點 17"/>
+          <p:cNvCxnSpPr>
+            <a:stCxn id="5" idx="3"/>
+            <a:endCxn id="7" idx="1"/>
+          </p:cNvCxnSpPr>
+          <p:nvPr/>
+        </p:nvCxnSpPr>
+        <p:spPr>
+          <a:xfrm>
+            <a:off x="1734135" y="3526486"/>
+            <a:ext cx="1011409" cy="12700"/>
+          </a:xfrm>
+          <a:prstGeom prst="bentConnector3">
+            <a:avLst/>
+          </a:prstGeom>
+          <a:ln>
+            <a:tailEnd type="arrow"/>
+          </a:ln>
+        </p:spPr>
+        <p:style>
+          <a:lnRef idx="3">
+            <a:schemeClr val="dk1"/>
+          </a:lnRef>
+          <a:fillRef idx="0">
+            <a:schemeClr val="dk1"/>
+          </a:fillRef>
+          <a:effectRef idx="2">
+            <a:schemeClr val="dk1"/>
+          </a:effectRef>
+          <a:fontRef idx="minor">
+            <a:schemeClr val="tx1"/>
+          </a:fontRef>
+        </p:style>
+      </p:cxnSp>
+      <p:cxnSp>
+        <p:nvCxnSpPr>
+          <p:cNvPr id="20" name="肘形接點 19"/>
+          <p:cNvCxnSpPr>
+            <a:stCxn id="5" idx="3"/>
+            <a:endCxn id="8" idx="1"/>
+          </p:cNvCxnSpPr>
+          <p:nvPr/>
+        </p:nvCxnSpPr>
+        <p:spPr>
+          <a:xfrm>
+            <a:off x="1734135" y="3526486"/>
+            <a:ext cx="1033703" cy="988256"/>
+          </a:xfrm>
+          <a:prstGeom prst="bentConnector3">
+            <a:avLst/>
+          </a:prstGeom>
+          <a:ln>
+            <a:tailEnd type="arrow"/>
+          </a:ln>
+        </p:spPr>
+        <p:style>
+          <a:lnRef idx="3">
+            <a:schemeClr val="dk1"/>
+          </a:lnRef>
+          <a:fillRef idx="0">
+            <a:schemeClr val="dk1"/>
+          </a:fillRef>
+          <a:effectRef idx="2">
+            <a:schemeClr val="dk1"/>
+          </a:effectRef>
+          <a:fontRef idx="minor">
+            <a:schemeClr val="tx1"/>
+          </a:fontRef>
+        </p:style>
+      </p:cxnSp>
+      <p:cxnSp>
+        <p:nvCxnSpPr>
+          <p:cNvPr id="22" name="肘形接點 21"/>
+          <p:cNvCxnSpPr>
+            <a:stCxn id="6" idx="3"/>
+            <a:endCxn id="12" idx="1"/>
+          </p:cNvCxnSpPr>
+          <p:nvPr/>
+        </p:nvCxnSpPr>
+        <p:spPr>
+          <a:xfrm>
+            <a:off x="3724104" y="2446366"/>
+            <a:ext cx="334895" cy="12700"/>
+          </a:xfrm>
+          <a:prstGeom prst="bentConnector3">
+            <a:avLst/>
+          </a:prstGeom>
+          <a:ln>
+            <a:tailEnd type="arrow"/>
+          </a:ln>
+        </p:spPr>
+        <p:style>
+          <a:lnRef idx="3">
+            <a:schemeClr val="dk1"/>
+          </a:lnRef>
+          <a:fillRef idx="0">
+            <a:schemeClr val="dk1"/>
+          </a:fillRef>
+          <a:effectRef idx="2">
+            <a:schemeClr val="dk1"/>
+          </a:effectRef>
+          <a:fontRef idx="minor">
+            <a:schemeClr val="tx1"/>
+          </a:fontRef>
+        </p:style>
+      </p:cxnSp>
+      <p:cxnSp>
+        <p:nvCxnSpPr>
+          <p:cNvPr id="24" name="肘形接點 23"/>
+          <p:cNvCxnSpPr>
+            <a:stCxn id="7" idx="3"/>
+            <a:endCxn id="13" idx="1"/>
+          </p:cNvCxnSpPr>
+          <p:nvPr/>
+        </p:nvCxnSpPr>
+        <p:spPr>
+          <a:xfrm>
+            <a:off x="3724103" y="3526486"/>
+            <a:ext cx="334896" cy="12700"/>
+          </a:xfrm>
+          <a:prstGeom prst="bentConnector3">
+            <a:avLst/>
+          </a:prstGeom>
+          <a:ln>
+            <a:tailEnd type="arrow"/>
+          </a:ln>
+        </p:spPr>
+        <p:style>
+          <a:lnRef idx="3">
+            <a:schemeClr val="dk1"/>
+          </a:lnRef>
+          <a:fillRef idx="0">
+            <a:schemeClr val="dk1"/>
+          </a:fillRef>
+          <a:effectRef idx="2">
+            <a:schemeClr val="dk1"/>
+          </a:effectRef>
+          <a:fontRef idx="minor">
+            <a:schemeClr val="tx1"/>
+          </a:fontRef>
+        </p:style>
+      </p:cxnSp>
+      <p:cxnSp>
+        <p:nvCxnSpPr>
+          <p:cNvPr id="26" name="肘形接點 25"/>
+          <p:cNvCxnSpPr>
+            <a:stCxn id="8" idx="3"/>
+            <a:endCxn id="14" idx="1"/>
+          </p:cNvCxnSpPr>
+          <p:nvPr/>
+        </p:nvCxnSpPr>
+        <p:spPr>
+          <a:xfrm>
+            <a:off x="3746397" y="4514742"/>
+            <a:ext cx="312602" cy="15435"/>
+          </a:xfrm>
+          <a:prstGeom prst="bentConnector3">
+            <a:avLst/>
+          </a:prstGeom>
+          <a:ln>
+            <a:tailEnd type="arrow"/>
+          </a:ln>
+        </p:spPr>
+        <p:style>
+          <a:lnRef idx="3">
+            <a:schemeClr val="dk1"/>
+          </a:lnRef>
+          <a:fillRef idx="0">
+            <a:schemeClr val="dk1"/>
+          </a:fillRef>
+          <a:effectRef idx="2">
+            <a:schemeClr val="dk1"/>
+          </a:effectRef>
+          <a:fontRef idx="minor">
+            <a:schemeClr val="tx1"/>
+          </a:fontRef>
+        </p:style>
+      </p:cxnSp>
+      <p:cxnSp>
+        <p:nvCxnSpPr>
+          <p:cNvPr id="31" name="肘形接點 30"/>
+          <p:cNvCxnSpPr>
+            <a:stCxn id="4" idx="2"/>
+            <a:endCxn id="5" idx="0"/>
+          </p:cNvCxnSpPr>
+          <p:nvPr/>
+        </p:nvCxnSpPr>
+        <p:spPr>
+          <a:xfrm rot="5400000">
+            <a:off x="956825" y="2986426"/>
+            <a:ext cx="576064" cy="1"/>
+          </a:xfrm>
+          <a:prstGeom prst="bentConnector3">
+            <a:avLst/>
+          </a:prstGeom>
+          <a:ln>
+            <a:tailEnd type="arrow"/>
+          </a:ln>
+        </p:spPr>
+        <p:style>
+          <a:lnRef idx="3">
+            <a:schemeClr val="dk1"/>
+          </a:lnRef>
+          <a:fillRef idx="0">
+            <a:schemeClr val="dk1"/>
+          </a:fillRef>
+          <a:effectRef idx="2">
+            <a:schemeClr val="dk1"/>
+          </a:effectRef>
+          <a:fontRef idx="minor">
+            <a:schemeClr val="tx1"/>
+          </a:fontRef>
+        </p:style>
+      </p:cxnSp>
+      <p:cxnSp>
+        <p:nvCxnSpPr>
+          <p:cNvPr id="61" name="直線單箭頭接點 60"/>
+          <p:cNvCxnSpPr>
+            <a:stCxn id="12" idx="2"/>
+            <a:endCxn id="13" idx="0"/>
+          </p:cNvCxnSpPr>
+          <p:nvPr/>
+        </p:nvCxnSpPr>
+        <p:spPr>
+          <a:xfrm>
+            <a:off x="4707071" y="2698394"/>
+            <a:ext cx="0" cy="504056"/>
+          </a:xfrm>
+          <a:prstGeom prst="straightConnector1">
+            <a:avLst/>
+          </a:prstGeom>
+          <a:ln>
+            <a:tailEnd type="arrow"/>
+          </a:ln>
+        </p:spPr>
+        <p:style>
+          <a:lnRef idx="3">
+            <a:schemeClr val="dk1"/>
+          </a:lnRef>
+          <a:fillRef idx="0">
+            <a:schemeClr val="dk1"/>
+          </a:fillRef>
+          <a:effectRef idx="2">
+            <a:schemeClr val="dk1"/>
+          </a:effectRef>
+          <a:fontRef idx="minor">
+            <a:schemeClr val="tx1"/>
+          </a:fontRef>
+        </p:style>
+      </p:cxnSp>
+      <p:cxnSp>
+        <p:nvCxnSpPr>
+          <p:cNvPr id="62" name="直線單箭頭接點 61"/>
+          <p:cNvCxnSpPr>
+            <a:stCxn id="13" idx="2"/>
+            <a:endCxn id="14" idx="0"/>
+          </p:cNvCxnSpPr>
+          <p:nvPr/>
+        </p:nvCxnSpPr>
+        <p:spPr>
+          <a:xfrm>
+            <a:off x="4707071" y="3850522"/>
+            <a:ext cx="0" cy="427627"/>
+          </a:xfrm>
+          <a:prstGeom prst="straightConnector1">
+            <a:avLst/>
+          </a:prstGeom>
+          <a:ln>
+            <a:tailEnd type="arrow"/>
+          </a:ln>
+        </p:spPr>
+        <p:style>
+          <a:lnRef idx="3">
+            <a:schemeClr val="dk1"/>
+          </a:lnRef>
+          <a:fillRef idx="0">
+            <a:schemeClr val="dk1"/>
+          </a:fillRef>
+          <a:effectRef idx="2">
+            <a:schemeClr val="dk1"/>
+          </a:effectRef>
+          <a:fontRef idx="minor">
+            <a:schemeClr val="tx1"/>
+          </a:fontRef>
+        </p:style>
+      </p:cxnSp>
+      <p:cxnSp>
+        <p:nvCxnSpPr>
+          <p:cNvPr id="89" name="直線單箭頭接點 88"/>
+          <p:cNvCxnSpPr>
+            <a:stCxn id="14" idx="2"/>
+            <a:endCxn id="90" idx="0"/>
+          </p:cNvCxnSpPr>
+          <p:nvPr/>
+        </p:nvCxnSpPr>
+        <p:spPr>
+          <a:xfrm>
+            <a:off x="4707071" y="4782205"/>
+            <a:ext cx="0" cy="519003"/>
+          </a:xfrm>
+          <a:prstGeom prst="straightConnector1">
+            <a:avLst/>
+          </a:prstGeom>
+          <a:ln>
+            <a:tailEnd type="arrow"/>
+          </a:ln>
+        </p:spPr>
+        <p:style>
+          <a:lnRef idx="3">
+            <a:schemeClr val="accent2"/>
+          </a:lnRef>
+          <a:fillRef idx="0">
+            <a:schemeClr val="accent2"/>
+          </a:fillRef>
+          <a:effectRef idx="2">
+            <a:schemeClr val="accent2"/>
+          </a:effectRef>
+          <a:fontRef idx="minor">
+            <a:schemeClr val="tx1"/>
+          </a:fontRef>
+        </p:style>
+      </p:cxnSp>
+      <p:sp>
+        <p:nvSpPr>
+          <p:cNvPr id="90" name="圓角矩形 89"/>
+          <p:cNvSpPr/>
+          <p:nvPr/>
+        </p:nvSpPr>
+        <p:spPr>
+          <a:xfrm>
+            <a:off x="4217791" y="5301208"/>
+            <a:ext cx="978559" cy="504056"/>
+          </a:xfrm>
+          <a:prstGeom prst="roundRect">
+            <a:avLst/>
+          </a:prstGeom>
+        </p:spPr>
+        <p:style>
+          <a:lnRef idx="3">
+            <a:schemeClr val="lt1"/>
+          </a:lnRef>
+          <a:fillRef idx="1">
+            <a:schemeClr val="dk1"/>
+          </a:fillRef>
+          <a:effectRef idx="1">
+            <a:schemeClr val="dk1"/>
+          </a:effectRef>
+          <a:fontRef idx="minor">
+            <a:schemeClr val="lt1"/>
+          </a:fontRef>
+        </p:style>
+        <p:txBody>
+          <a:bodyPr rtlCol="0" anchor="ctr"/>
+          <a:lstStyle/>
+          <a:p>
+            <a:pPr algn="ctr"/>
+            <a:r>
+              <a:rPr lang="en-US" altLang="zh-TW" dirty="0" smtClean="0"/>
+              <a:t>Miss</a:t>
+            </a:r>
+            <a:endParaRPr lang="zh-TW" altLang="en-US" dirty="0"/>
+          </a:p>
+        </p:txBody>
+      </p:sp>
+      <p:sp>
+        <p:nvSpPr>
+          <p:cNvPr id="97" name="菱形 96"/>
+          <p:cNvSpPr/>
+          <p:nvPr/>
+        </p:nvSpPr>
+        <p:spPr>
+          <a:xfrm>
+            <a:off x="5652121" y="3202450"/>
+            <a:ext cx="1512168" cy="648072"/>
+          </a:xfrm>
+          <a:prstGeom prst="diamond">
             <a:avLst/>
           </a:prstGeom>
         </p:spPr>
@@ -4484,130 +6290,36 @@
           <a:p>
             <a:pPr algn="ctr"/>
             <a:r>
-              <a:rPr lang="en-US" altLang="zh-TW" dirty="0" err="1"/>
-              <a:t>r</a:t>
-            </a:r>
-            <a:r>
-              <a:rPr lang="en-US" altLang="zh-TW" dirty="0" err="1" smtClean="0"/>
-              <a:t>emote_q</a:t>
-            </a:r>
-            <a:endParaRPr lang="zh-TW" altLang="en-US" dirty="0"/>
-          </a:p>
-        </p:txBody>
-      </p:sp>
-      <p:sp>
-        <p:nvSpPr>
-          <p:cNvPr id="10" name="矩形 9"/>
+              <a:rPr lang="en-US" altLang="zh-TW" sz="1600" dirty="0" smtClean="0"/>
+              <a:t>FINISH</a:t>
+            </a:r>
+            <a:endParaRPr lang="zh-TW" altLang="en-US" sz="1600" dirty="0"/>
+          </a:p>
+        </p:txBody>
+      </p:sp>
+      <p:sp>
+        <p:nvSpPr>
+          <p:cNvPr id="98" name="圓角矩形 97"/>
           <p:cNvSpPr/>
           <p:nvPr/>
         </p:nvSpPr>
         <p:spPr>
           <a:xfrm>
-            <a:off x="1295637" y="3358845"/>
-            <a:ext cx="2880320" cy="360040"/>
-          </a:xfrm>
-          <a:prstGeom prst="rect">
+            <a:off x="7596337" y="3274458"/>
+            <a:ext cx="978559" cy="504056"/>
+          </a:xfrm>
+          <a:prstGeom prst="roundRect">
             <a:avLst/>
           </a:prstGeom>
         </p:spPr>
         <p:style>
-          <a:lnRef idx="2">
-            <a:schemeClr val="accent5">
-              <a:shade val="50000"/>
-            </a:schemeClr>
-          </a:lnRef>
-          <a:fillRef idx="1">
-            <a:schemeClr val="accent5"/>
-          </a:fillRef>
-          <a:effectRef idx="0">
-            <a:schemeClr val="accent5"/>
-          </a:effectRef>
-          <a:fontRef idx="minor">
+          <a:lnRef idx="3">
             <a:schemeClr val="lt1"/>
-          </a:fontRef>
-        </p:style>
-        <p:txBody>
-          <a:bodyPr rtlCol="0" anchor="ctr"/>
-          <a:lstStyle/>
-          <a:p>
-            <a:pPr algn="ctr"/>
-            <a:r>
-              <a:rPr lang="en-US" altLang="zh-TW" dirty="0" smtClean="0"/>
-              <a:t>cloud</a:t>
-            </a:r>
-            <a:endParaRPr lang="zh-TW" altLang="en-US" dirty="0"/>
-          </a:p>
-        </p:txBody>
-      </p:sp>
-      <p:sp>
-        <p:nvSpPr>
-          <p:cNvPr id="11" name="矩形 10"/>
-          <p:cNvSpPr/>
-          <p:nvPr/>
-        </p:nvSpPr>
-        <p:spPr>
-          <a:xfrm>
-            <a:off x="1295637" y="3789040"/>
-            <a:ext cx="2880320" cy="360040"/>
-          </a:xfrm>
-          <a:prstGeom prst="rect">
-            <a:avLst/>
-          </a:prstGeom>
-        </p:spPr>
-        <p:style>
-          <a:lnRef idx="2">
-            <a:schemeClr val="accent2">
-              <a:shade val="50000"/>
-            </a:schemeClr>
-          </a:lnRef>
-          <a:fillRef idx="1">
-            <a:schemeClr val="accent2"/>
-          </a:fillRef>
-          <a:effectRef idx="0">
-            <a:schemeClr val="accent2"/>
-          </a:effectRef>
-          <a:fontRef idx="minor">
-            <a:schemeClr val="lt1"/>
-          </a:fontRef>
-        </p:style>
-        <p:txBody>
-          <a:bodyPr rtlCol="0" anchor="ctr"/>
-          <a:lstStyle/>
-          <a:p>
-            <a:pPr algn="ctr"/>
-            <a:r>
-              <a:rPr lang="en-US" altLang="zh-TW" dirty="0" smtClean="0"/>
-              <a:t>TBS</a:t>
-            </a:r>
-            <a:endParaRPr lang="zh-TW" altLang="en-US" dirty="0"/>
-          </a:p>
-        </p:txBody>
-      </p:sp>
-      <p:sp>
-        <p:nvSpPr>
-          <p:cNvPr id="12" name="直線圖說文字 2 11"/>
-          <p:cNvSpPr/>
-          <p:nvPr/>
-        </p:nvSpPr>
-        <p:spPr>
-          <a:xfrm>
-            <a:off x="5259451" y="1878329"/>
-            <a:ext cx="2232248" cy="324036"/>
-          </a:xfrm>
-          <a:prstGeom prst="borderCallout2">
-            <a:avLst/>
-          </a:prstGeom>
-        </p:spPr>
-        <p:style>
-          <a:lnRef idx="2">
-            <a:schemeClr val="dk1">
-              <a:shade val="50000"/>
-            </a:schemeClr>
           </a:lnRef>
           <a:fillRef idx="1">
             <a:schemeClr val="dk1"/>
           </a:fillRef>
-          <a:effectRef idx="0">
+          <a:effectRef idx="1">
             <a:schemeClr val="dk1"/>
           </a:effectRef>
           <a:fontRef idx="minor">
@@ -4620,682 +6332,131 @@
           <a:p>
             <a:pPr algn="ctr"/>
             <a:r>
-              <a:rPr lang="zh-TW" altLang="en-US" dirty="0" smtClean="0">
-                <a:latin typeface="標楷體" panose="03000509000000000000" pitchFamily="65" charset="-120"/>
-                <a:ea typeface="標楷體" panose="03000509000000000000" pitchFamily="65" charset="-120"/>
-              </a:rPr>
-              <a:t>存放</a:t>
-            </a:r>
-            <a:r>
-              <a:rPr lang="en-US" altLang="zh-TW" dirty="0" smtClean="0">
-                <a:latin typeface="標楷體" panose="03000509000000000000" pitchFamily="65" charset="-120"/>
-                <a:ea typeface="標楷體" panose="03000509000000000000" pitchFamily="65" charset="-120"/>
-              </a:rPr>
-              <a:t>input task</a:t>
-            </a:r>
-            <a:endParaRPr lang="zh-TW" altLang="en-US" dirty="0">
-              <a:latin typeface="標楷體" panose="03000509000000000000" pitchFamily="65" charset="-120"/>
-              <a:ea typeface="標楷體" panose="03000509000000000000" pitchFamily="65" charset="-120"/>
-            </a:endParaRPr>
-          </a:p>
-        </p:txBody>
-      </p:sp>
-      <p:sp>
-        <p:nvSpPr>
-          <p:cNvPr id="13" name="直線圖說文字 2 12"/>
-          <p:cNvSpPr/>
+              <a:rPr lang="en-US" altLang="zh-TW" dirty="0" smtClean="0"/>
+              <a:t>Meet</a:t>
+            </a:r>
+            <a:endParaRPr lang="zh-TW" altLang="en-US" dirty="0"/>
+          </a:p>
+        </p:txBody>
+      </p:sp>
+      <p:cxnSp>
+        <p:nvCxnSpPr>
+          <p:cNvPr id="99" name="直線單箭頭接點 98"/>
+          <p:cNvCxnSpPr>
+            <a:stCxn id="13" idx="3"/>
+            <a:endCxn id="97" idx="1"/>
+          </p:cNvCxnSpPr>
           <p:nvPr/>
-        </p:nvSpPr>
-        <p:spPr>
-          <a:xfrm>
-            <a:off x="5259451" y="2354765"/>
-            <a:ext cx="2232248" cy="324036"/>
-          </a:xfrm>
-          <a:prstGeom prst="borderCallout2">
+        </p:nvCxnSpPr>
+        <p:spPr>
+          <a:xfrm>
+            <a:off x="5355143" y="3526486"/>
+            <a:ext cx="296978" cy="0"/>
+          </a:xfrm>
+          <a:prstGeom prst="straightConnector1">
             <a:avLst/>
           </a:prstGeom>
+          <a:ln>
+            <a:tailEnd type="arrow"/>
+          </a:ln>
         </p:spPr>
         <p:style>
-          <a:lnRef idx="2">
-            <a:schemeClr val="dk1">
-              <a:shade val="50000"/>
-            </a:schemeClr>
+          <a:lnRef idx="3">
+            <a:schemeClr val="dk1"/>
           </a:lnRef>
-          <a:fillRef idx="1">
+          <a:fillRef idx="0">
             <a:schemeClr val="dk1"/>
           </a:fillRef>
-          <a:effectRef idx="0">
+          <a:effectRef idx="2">
             <a:schemeClr val="dk1"/>
           </a:effectRef>
           <a:fontRef idx="minor">
-            <a:schemeClr val="lt1"/>
+            <a:schemeClr val="tx1"/>
           </a:fontRef>
         </p:style>
-        <p:txBody>
-          <a:bodyPr rtlCol="0" anchor="ctr"/>
-          <a:lstStyle/>
-          <a:p>
-            <a:pPr algn="ctr"/>
-            <a:r>
-              <a:rPr lang="en-US" altLang="zh-TW" dirty="0" smtClean="0">
-                <a:latin typeface="標楷體" panose="03000509000000000000" pitchFamily="65" charset="-120"/>
-                <a:ea typeface="標楷體" panose="03000509000000000000" pitchFamily="65" charset="-120"/>
-              </a:rPr>
-              <a:t>Local queue</a:t>
-            </a:r>
-            <a:endParaRPr lang="zh-TW" altLang="en-US" dirty="0">
-              <a:latin typeface="標楷體" panose="03000509000000000000" pitchFamily="65" charset="-120"/>
-              <a:ea typeface="標楷體" panose="03000509000000000000" pitchFamily="65" charset="-120"/>
-            </a:endParaRPr>
-          </a:p>
-        </p:txBody>
-      </p:sp>
-      <p:sp>
-        <p:nvSpPr>
-          <p:cNvPr id="14" name="直線圖說文字 2 13"/>
-          <p:cNvSpPr/>
+      </p:cxnSp>
+      <p:cxnSp>
+        <p:nvCxnSpPr>
+          <p:cNvPr id="103" name="直線單箭頭接點 102"/>
+          <p:cNvCxnSpPr>
+            <a:stCxn id="97" idx="3"/>
+            <a:endCxn id="98" idx="1"/>
+          </p:cNvCxnSpPr>
           <p:nvPr/>
-        </p:nvSpPr>
-        <p:spPr>
-          <a:xfrm>
-            <a:off x="5261656" y="2780928"/>
-            <a:ext cx="2232248" cy="324036"/>
-          </a:xfrm>
-          <a:prstGeom prst="borderCallout2">
+        </p:nvCxnSpPr>
+        <p:spPr>
+          <a:xfrm>
+            <a:off x="7164289" y="3526486"/>
+            <a:ext cx="432048" cy="0"/>
+          </a:xfrm>
+          <a:prstGeom prst="straightConnector1">
             <a:avLst/>
           </a:prstGeom>
+          <a:ln>
+            <a:tailEnd type="arrow"/>
+          </a:ln>
         </p:spPr>
         <p:style>
-          <a:lnRef idx="2">
-            <a:schemeClr val="dk1">
-              <a:shade val="50000"/>
-            </a:schemeClr>
+          <a:lnRef idx="3">
+            <a:schemeClr val="accent2"/>
           </a:lnRef>
-          <a:fillRef idx="1">
-            <a:schemeClr val="dk1"/>
+          <a:fillRef idx="0">
+            <a:schemeClr val="accent2"/>
           </a:fillRef>
-          <a:effectRef idx="0">
-            <a:schemeClr val="dk1"/>
+          <a:effectRef idx="2">
+            <a:schemeClr val="accent2"/>
           </a:effectRef>
           <a:fontRef idx="minor">
-            <a:schemeClr val="lt1"/>
+            <a:schemeClr val="tx1"/>
           </a:fontRef>
         </p:style>
-        <p:txBody>
-          <a:bodyPr rtlCol="0" anchor="ctr"/>
-          <a:lstStyle/>
-          <a:p>
-            <a:pPr algn="ctr"/>
-            <a:r>
-              <a:rPr lang="en-US" altLang="zh-TW" dirty="0" smtClean="0">
-                <a:latin typeface="標楷體" panose="03000509000000000000" pitchFamily="65" charset="-120"/>
-                <a:ea typeface="標楷體" panose="03000509000000000000" pitchFamily="65" charset="-120"/>
-              </a:rPr>
-              <a:t>Remote queue</a:t>
-            </a:r>
-            <a:endParaRPr lang="zh-TW" altLang="en-US" dirty="0">
-              <a:latin typeface="標楷體" panose="03000509000000000000" pitchFamily="65" charset="-120"/>
-              <a:ea typeface="標楷體" panose="03000509000000000000" pitchFamily="65" charset="-120"/>
-            </a:endParaRPr>
-          </a:p>
-        </p:txBody>
-      </p:sp>
-      <p:sp>
-        <p:nvSpPr>
-          <p:cNvPr id="15" name="直線圖說文字 2 14"/>
-          <p:cNvSpPr/>
+      </p:cxnSp>
+      <p:cxnSp>
+        <p:nvCxnSpPr>
+          <p:cNvPr id="107" name="肘形接點 106"/>
+          <p:cNvCxnSpPr>
+            <a:stCxn id="97" idx="2"/>
+            <a:endCxn id="90" idx="3"/>
+          </p:cNvCxnSpPr>
           <p:nvPr/>
-        </p:nvSpPr>
-        <p:spPr>
-          <a:xfrm>
-            <a:off x="5259451" y="3214829"/>
-            <a:ext cx="2232248" cy="324036"/>
-          </a:xfrm>
-          <a:prstGeom prst="borderCallout2">
+        </p:nvCxnSpPr>
+        <p:spPr>
+          <a:xfrm rot="5400000">
+            <a:off x="4950921" y="4095952"/>
+            <a:ext cx="1702714" cy="1211855"/>
+          </a:xfrm>
+          <a:prstGeom prst="bentConnector2">
             <a:avLst/>
           </a:prstGeom>
+          <a:ln>
+            <a:tailEnd type="arrow"/>
+          </a:ln>
         </p:spPr>
         <p:style>
-          <a:lnRef idx="2">
-            <a:schemeClr val="dk1">
-              <a:shade val="50000"/>
-            </a:schemeClr>
+          <a:lnRef idx="3">
+            <a:schemeClr val="accent2"/>
           </a:lnRef>
-          <a:fillRef idx="1">
-            <a:schemeClr val="dk1"/>
+          <a:fillRef idx="0">
+            <a:schemeClr val="accent2"/>
           </a:fillRef>
-          <a:effectRef idx="0">
-            <a:schemeClr val="dk1"/>
+          <a:effectRef idx="2">
+            <a:schemeClr val="accent2"/>
           </a:effectRef>
           <a:fontRef idx="minor">
-            <a:schemeClr val="lt1"/>
+            <a:schemeClr val="tx1"/>
           </a:fontRef>
         </p:style>
-        <p:txBody>
-          <a:bodyPr rtlCol="0" anchor="ctr"/>
-          <a:lstStyle/>
-          <a:p>
-            <a:pPr algn="ctr"/>
-            <a:r>
-              <a:rPr lang="en-US" altLang="zh-TW" dirty="0" smtClean="0">
-                <a:latin typeface="標楷體" panose="03000509000000000000" pitchFamily="65" charset="-120"/>
-                <a:ea typeface="標楷體" panose="03000509000000000000" pitchFamily="65" charset="-120"/>
-              </a:rPr>
-              <a:t>*Cloud queue</a:t>
-            </a:r>
-            <a:endParaRPr lang="zh-TW" altLang="en-US" dirty="0">
-              <a:latin typeface="標楷體" panose="03000509000000000000" pitchFamily="65" charset="-120"/>
-              <a:ea typeface="標楷體" panose="03000509000000000000" pitchFamily="65" charset="-120"/>
-            </a:endParaRPr>
-          </a:p>
-        </p:txBody>
-      </p:sp>
-      <p:sp>
-        <p:nvSpPr>
-          <p:cNvPr id="16" name="直線圖說文字 2 15"/>
-          <p:cNvSpPr/>
-          <p:nvPr/>
-        </p:nvSpPr>
-        <p:spPr>
-          <a:xfrm>
-            <a:off x="5270229" y="3645024"/>
-            <a:ext cx="3694259" cy="576064"/>
-          </a:xfrm>
-          <a:prstGeom prst="borderCallout2">
-            <a:avLst>
-              <a:gd name="adj1" fmla="val 18750"/>
-              <a:gd name="adj2" fmla="val -5976"/>
-              <a:gd name="adj3" fmla="val 18750"/>
-              <a:gd name="adj4" fmla="val -16667"/>
-              <a:gd name="adj5" fmla="val 58078"/>
-              <a:gd name="adj6" fmla="val -28280"/>
-            </a:avLst>
-          </a:prstGeom>
-        </p:spPr>
-        <p:style>
-          <a:lnRef idx="2">
-            <a:schemeClr val="dk1">
-              <a:shade val="50000"/>
-            </a:schemeClr>
-          </a:lnRef>
-          <a:fillRef idx="1">
-            <a:schemeClr val="dk1"/>
-          </a:fillRef>
-          <a:effectRef idx="0">
-            <a:schemeClr val="dk1"/>
-          </a:effectRef>
-          <a:fontRef idx="minor">
-            <a:schemeClr val="lt1"/>
-          </a:fontRef>
-        </p:style>
-        <p:txBody>
-          <a:bodyPr rtlCol="0" anchor="ctr"/>
-          <a:lstStyle/>
-          <a:p>
-            <a:pPr algn="ctr"/>
-            <a:r>
-              <a:rPr lang="en-US" altLang="zh-TW" dirty="0" smtClean="0">
-                <a:latin typeface="標楷體" panose="03000509000000000000" pitchFamily="65" charset="-120"/>
-                <a:ea typeface="標楷體" panose="03000509000000000000" pitchFamily="65" charset="-120"/>
-              </a:rPr>
-              <a:t>Buffer</a:t>
-            </a:r>
-            <a:r>
-              <a:rPr lang="zh-TW" altLang="en-US" dirty="0" smtClean="0">
-                <a:latin typeface="標楷體" panose="03000509000000000000" pitchFamily="65" charset="-120"/>
-                <a:ea typeface="標楷體" panose="03000509000000000000" pitchFamily="65" charset="-120"/>
-              </a:rPr>
-              <a:t>，存放</a:t>
-            </a:r>
-            <a:r>
-              <a:rPr lang="en-US" altLang="zh-TW" dirty="0" smtClean="0">
-                <a:latin typeface="標楷體" panose="03000509000000000000" pitchFamily="65" charset="-120"/>
-                <a:ea typeface="標楷體" panose="03000509000000000000" pitchFamily="65" charset="-120"/>
-              </a:rPr>
-              <a:t>offload</a:t>
-            </a:r>
-            <a:r>
-              <a:rPr lang="zh-TW" altLang="en-US" dirty="0" smtClean="0">
-                <a:latin typeface="標楷體" panose="03000509000000000000" pitchFamily="65" charset="-120"/>
-                <a:ea typeface="標楷體" panose="03000509000000000000" pitchFamily="65" charset="-120"/>
-              </a:rPr>
-              <a:t>回來或是別人</a:t>
-            </a:r>
-            <a:r>
-              <a:rPr lang="en-US" altLang="zh-TW" dirty="0" smtClean="0">
-                <a:latin typeface="標楷體" panose="03000509000000000000" pitchFamily="65" charset="-120"/>
-                <a:ea typeface="標楷體" panose="03000509000000000000" pitchFamily="65" charset="-120"/>
-              </a:rPr>
-              <a:t>migration</a:t>
-            </a:r>
-            <a:r>
-              <a:rPr lang="zh-TW" altLang="en-US" dirty="0" smtClean="0">
-                <a:latin typeface="標楷體" panose="03000509000000000000" pitchFamily="65" charset="-120"/>
-                <a:ea typeface="標楷體" panose="03000509000000000000" pitchFamily="65" charset="-120"/>
-              </a:rPr>
-              <a:t>給你的</a:t>
-            </a:r>
-            <a:endParaRPr lang="zh-TW" altLang="en-US" dirty="0">
-              <a:latin typeface="標楷體" panose="03000509000000000000" pitchFamily="65" charset="-120"/>
-              <a:ea typeface="標楷體" panose="03000509000000000000" pitchFamily="65" charset="-120"/>
-            </a:endParaRPr>
-          </a:p>
-        </p:txBody>
-      </p:sp>
-      <p:sp>
-        <p:nvSpPr>
-          <p:cNvPr id="18" name="直線圖說文字 2 17"/>
-          <p:cNvSpPr/>
-          <p:nvPr/>
-        </p:nvSpPr>
-        <p:spPr>
-          <a:xfrm>
-            <a:off x="5270229" y="4311098"/>
-            <a:ext cx="2974180" cy="324036"/>
-          </a:xfrm>
-          <a:prstGeom prst="borderCallout2">
-            <a:avLst>
-              <a:gd name="adj1" fmla="val 18750"/>
-              <a:gd name="adj2" fmla="val -8333"/>
-              <a:gd name="adj3" fmla="val 18750"/>
-              <a:gd name="adj4" fmla="val -16667"/>
-              <a:gd name="adj5" fmla="val 74875"/>
-              <a:gd name="adj6" fmla="val -34662"/>
-            </a:avLst>
-          </a:prstGeom>
-        </p:spPr>
-        <p:style>
-          <a:lnRef idx="2">
-            <a:schemeClr val="dk1">
-              <a:shade val="50000"/>
-            </a:schemeClr>
-          </a:lnRef>
-          <a:fillRef idx="1">
-            <a:schemeClr val="dk1"/>
-          </a:fillRef>
-          <a:effectRef idx="0">
-            <a:schemeClr val="dk1"/>
-          </a:effectRef>
-          <a:fontRef idx="minor">
-            <a:schemeClr val="lt1"/>
-          </a:fontRef>
-        </p:style>
-        <p:txBody>
-          <a:bodyPr rtlCol="0" anchor="ctr"/>
-          <a:lstStyle/>
-          <a:p>
-            <a:pPr algn="ctr"/>
-            <a:r>
-              <a:rPr lang="zh-TW" altLang="en-US" dirty="0" smtClean="0">
-                <a:latin typeface="標楷體" panose="03000509000000000000" pitchFamily="65" charset="-120"/>
-                <a:ea typeface="標楷體" panose="03000509000000000000" pitchFamily="65" charset="-120"/>
-              </a:rPr>
-              <a:t>紀錄</a:t>
-            </a:r>
-            <a:r>
-              <a:rPr lang="en-US" altLang="zh-TW" dirty="0" smtClean="0">
-                <a:latin typeface="標楷體" panose="03000509000000000000" pitchFamily="65" charset="-120"/>
-                <a:ea typeface="標楷體" panose="03000509000000000000" pitchFamily="65" charset="-120"/>
-              </a:rPr>
-              <a:t>meet ratio</a:t>
-            </a:r>
-            <a:r>
-              <a:rPr lang="zh-TW" altLang="en-US" dirty="0" smtClean="0">
-                <a:latin typeface="標楷體" panose="03000509000000000000" pitchFamily="65" charset="-120"/>
-                <a:ea typeface="標楷體" panose="03000509000000000000" pitchFamily="65" charset="-120"/>
-              </a:rPr>
-              <a:t> </a:t>
-            </a:r>
-            <a:r>
-              <a:rPr lang="en-US" altLang="zh-TW" dirty="0" smtClean="0">
-                <a:latin typeface="標楷體" panose="03000509000000000000" pitchFamily="65" charset="-120"/>
-                <a:ea typeface="標楷體" panose="03000509000000000000" pitchFamily="65" charset="-120"/>
-              </a:rPr>
-              <a:t>&amp;</a:t>
-            </a:r>
-            <a:r>
-              <a:rPr lang="zh-TW" altLang="en-US" dirty="0" smtClean="0">
-                <a:latin typeface="標楷體" panose="03000509000000000000" pitchFamily="65" charset="-120"/>
-                <a:ea typeface="標楷體" panose="03000509000000000000" pitchFamily="65" charset="-120"/>
-              </a:rPr>
-              <a:t> </a:t>
-            </a:r>
-            <a:r>
-              <a:rPr lang="en-US" altLang="zh-TW" dirty="0" smtClean="0">
-                <a:latin typeface="標楷體" panose="03000509000000000000" pitchFamily="65" charset="-120"/>
-                <a:ea typeface="標楷體" panose="03000509000000000000" pitchFamily="65" charset="-120"/>
-              </a:rPr>
-              <a:t>energy</a:t>
-            </a:r>
-            <a:endParaRPr lang="zh-TW" altLang="en-US" dirty="0">
-              <a:latin typeface="標楷體" panose="03000509000000000000" pitchFamily="65" charset="-120"/>
-              <a:ea typeface="標楷體" panose="03000509000000000000" pitchFamily="65" charset="-120"/>
-            </a:endParaRPr>
-          </a:p>
-        </p:txBody>
-      </p:sp>
-      <p:sp>
-        <p:nvSpPr>
-          <p:cNvPr id="20" name="圓角矩形 19"/>
-          <p:cNvSpPr/>
-          <p:nvPr/>
-        </p:nvSpPr>
-        <p:spPr>
-          <a:xfrm>
-            <a:off x="1299829" y="4869160"/>
-            <a:ext cx="936104" cy="360040"/>
-          </a:xfrm>
-          <a:prstGeom prst="roundRect">
-            <a:avLst/>
-          </a:prstGeom>
-        </p:spPr>
-        <p:style>
-          <a:lnRef idx="2">
-            <a:schemeClr val="accent1">
-              <a:shade val="50000"/>
-            </a:schemeClr>
-          </a:lnRef>
-          <a:fillRef idx="1">
-            <a:schemeClr val="accent1"/>
-          </a:fillRef>
-          <a:effectRef idx="0">
-            <a:schemeClr val="accent1"/>
-          </a:effectRef>
-          <a:fontRef idx="minor">
-            <a:schemeClr val="lt1"/>
-          </a:fontRef>
-        </p:style>
-        <p:txBody>
-          <a:bodyPr rtlCol="0" anchor="ctr"/>
-          <a:lstStyle/>
-          <a:p>
-            <a:pPr algn="ctr"/>
-            <a:r>
-              <a:rPr lang="en-US" altLang="zh-TW" dirty="0" err="1" smtClean="0"/>
-              <a:t>curTask</a:t>
-            </a:r>
-            <a:endParaRPr lang="zh-TW" altLang="en-US" dirty="0"/>
-          </a:p>
-        </p:txBody>
-      </p:sp>
-      <p:sp>
-        <p:nvSpPr>
-          <p:cNvPr id="21" name="圓角矩形 20"/>
-          <p:cNvSpPr/>
-          <p:nvPr/>
-        </p:nvSpPr>
-        <p:spPr>
-          <a:xfrm>
-            <a:off x="1295637" y="5260803"/>
-            <a:ext cx="1188132" cy="360040"/>
-          </a:xfrm>
-          <a:prstGeom prst="roundRect">
-            <a:avLst/>
-          </a:prstGeom>
-        </p:spPr>
-        <p:style>
-          <a:lnRef idx="2">
-            <a:schemeClr val="accent1">
-              <a:shade val="50000"/>
-            </a:schemeClr>
-          </a:lnRef>
-          <a:fillRef idx="1">
-            <a:schemeClr val="accent1"/>
-          </a:fillRef>
-          <a:effectRef idx="0">
-            <a:schemeClr val="accent1"/>
-          </a:effectRef>
-          <a:fontRef idx="minor">
-            <a:schemeClr val="lt1"/>
-          </a:fontRef>
-        </p:style>
-        <p:txBody>
-          <a:bodyPr rtlCol="0" anchor="ctr"/>
-          <a:lstStyle/>
-          <a:p>
-            <a:pPr algn="ctr"/>
-            <a:r>
-              <a:rPr lang="en-US" altLang="zh-TW" dirty="0" err="1"/>
-              <a:t>c</a:t>
-            </a:r>
-            <a:r>
-              <a:rPr lang="en-US" altLang="zh-TW" dirty="0" err="1" smtClean="0"/>
-              <a:t>urrent_U</a:t>
-            </a:r>
-            <a:endParaRPr lang="zh-TW" altLang="en-US" dirty="0"/>
-          </a:p>
-        </p:txBody>
-      </p:sp>
-      <p:sp>
-        <p:nvSpPr>
-          <p:cNvPr id="23" name="圓角矩形 22"/>
-          <p:cNvSpPr/>
-          <p:nvPr/>
-        </p:nvSpPr>
-        <p:spPr>
-          <a:xfrm>
-            <a:off x="2235933" y="4869160"/>
-            <a:ext cx="1935832" cy="360040"/>
-          </a:xfrm>
-          <a:prstGeom prst="roundRect">
-            <a:avLst/>
-          </a:prstGeom>
-        </p:spPr>
-        <p:style>
-          <a:lnRef idx="2">
-            <a:schemeClr val="accent1">
-              <a:shade val="50000"/>
-            </a:schemeClr>
-          </a:lnRef>
-          <a:fillRef idx="1">
-            <a:schemeClr val="accent1"/>
-          </a:fillRef>
-          <a:effectRef idx="0">
-            <a:schemeClr val="accent1"/>
-          </a:effectRef>
-          <a:fontRef idx="minor">
-            <a:schemeClr val="lt1"/>
-          </a:fontRef>
-        </p:style>
-        <p:txBody>
-          <a:bodyPr rtlCol="0" anchor="ctr"/>
-          <a:lstStyle/>
-          <a:p>
-            <a:pPr algn="ctr"/>
-            <a:r>
-              <a:rPr lang="en-US" altLang="zh-TW" dirty="0" err="1"/>
-              <a:t>m</a:t>
-            </a:r>
-            <a:r>
-              <a:rPr lang="en-US" altLang="zh-TW" dirty="0" err="1" smtClean="0"/>
-              <a:t>igration_factor</a:t>
-            </a:r>
-            <a:endParaRPr lang="zh-TW" altLang="en-US" dirty="0"/>
-          </a:p>
-        </p:txBody>
-      </p:sp>
-      <p:sp>
-        <p:nvSpPr>
-          <p:cNvPr id="24" name="圓角矩形 23"/>
-          <p:cNvSpPr/>
-          <p:nvPr/>
-        </p:nvSpPr>
-        <p:spPr>
-          <a:xfrm>
-            <a:off x="2483769" y="5260803"/>
-            <a:ext cx="792088" cy="360040"/>
-          </a:xfrm>
-          <a:prstGeom prst="roundRect">
-            <a:avLst/>
-          </a:prstGeom>
-        </p:spPr>
-        <p:style>
-          <a:lnRef idx="2">
-            <a:schemeClr val="accent1">
-              <a:shade val="50000"/>
-            </a:schemeClr>
-          </a:lnRef>
-          <a:fillRef idx="1">
-            <a:schemeClr val="accent1"/>
-          </a:fillRef>
-          <a:effectRef idx="0">
-            <a:schemeClr val="accent1"/>
-          </a:effectRef>
-          <a:fontRef idx="minor">
-            <a:schemeClr val="lt1"/>
-          </a:fontRef>
-        </p:style>
-        <p:txBody>
-          <a:bodyPr rtlCol="0" anchor="ctr"/>
-          <a:lstStyle/>
-          <a:p>
-            <a:pPr algn="ctr"/>
-            <a:r>
-              <a:rPr lang="en-US" altLang="zh-TW" dirty="0" smtClean="0"/>
-              <a:t>speed</a:t>
-            </a:r>
-            <a:endParaRPr lang="zh-TW" altLang="en-US" dirty="0"/>
-          </a:p>
-        </p:txBody>
-      </p:sp>
-      <p:sp>
-        <p:nvSpPr>
-          <p:cNvPr id="25" name="圓角矩形 24"/>
-          <p:cNvSpPr/>
-          <p:nvPr/>
-        </p:nvSpPr>
-        <p:spPr>
-          <a:xfrm>
-            <a:off x="3288987" y="5260803"/>
-            <a:ext cx="882778" cy="360040"/>
-          </a:xfrm>
-          <a:prstGeom prst="roundRect">
-            <a:avLst/>
-          </a:prstGeom>
-        </p:spPr>
-        <p:style>
-          <a:lnRef idx="2">
-            <a:schemeClr val="accent1">
-              <a:shade val="50000"/>
-            </a:schemeClr>
-          </a:lnRef>
-          <a:fillRef idx="1">
-            <a:schemeClr val="accent1"/>
-          </a:fillRef>
-          <a:effectRef idx="0">
-            <a:schemeClr val="accent1"/>
-          </a:effectRef>
-          <a:fontRef idx="minor">
-            <a:schemeClr val="lt1"/>
-          </a:fontRef>
-        </p:style>
-        <p:txBody>
-          <a:bodyPr rtlCol="0" anchor="ctr"/>
-          <a:lstStyle/>
-          <a:p>
-            <a:pPr algn="ctr"/>
-            <a:r>
-              <a:rPr lang="en-US" altLang="zh-TW" dirty="0" smtClean="0"/>
-              <a:t>batt</a:t>
-            </a:r>
-            <a:endParaRPr lang="zh-TW" altLang="en-US" dirty="0"/>
-          </a:p>
-        </p:txBody>
-      </p:sp>
-      <p:sp>
-        <p:nvSpPr>
-          <p:cNvPr id="26" name="向右箭號 25"/>
-          <p:cNvSpPr/>
-          <p:nvPr/>
-        </p:nvSpPr>
-        <p:spPr>
-          <a:xfrm>
-            <a:off x="3487689" y="5631027"/>
-            <a:ext cx="1368152" cy="576064"/>
-          </a:xfrm>
-          <a:prstGeom prst="rightArrow">
-            <a:avLst/>
-          </a:prstGeom>
-        </p:spPr>
-        <p:style>
-          <a:lnRef idx="3">
-            <a:schemeClr val="lt1"/>
-          </a:lnRef>
-          <a:fillRef idx="1">
-            <a:schemeClr val="accent1"/>
-          </a:fillRef>
-          <a:effectRef idx="1">
-            <a:schemeClr val="accent1"/>
-          </a:effectRef>
-          <a:fontRef idx="minor">
-            <a:schemeClr val="lt1"/>
-          </a:fontRef>
-        </p:style>
-        <p:txBody>
-          <a:bodyPr rtlCol="0" anchor="ctr"/>
-          <a:lstStyle/>
-          <a:p>
-            <a:pPr algn="ctr"/>
-            <a:r>
-              <a:rPr lang="en-US" altLang="zh-TW" dirty="0" err="1" smtClean="0"/>
-              <a:t>NextNode</a:t>
-            </a:r>
-            <a:endParaRPr lang="zh-TW" altLang="en-US" dirty="0"/>
-          </a:p>
-        </p:txBody>
-      </p:sp>
-      <p:sp>
-        <p:nvSpPr>
-          <p:cNvPr id="27" name="向右箭號 26"/>
-          <p:cNvSpPr/>
-          <p:nvPr/>
-        </p:nvSpPr>
-        <p:spPr>
-          <a:xfrm flipH="1">
-            <a:off x="683568" y="5631027"/>
-            <a:ext cx="1368152" cy="576064"/>
-          </a:xfrm>
-          <a:prstGeom prst="rightArrow">
-            <a:avLst/>
-          </a:prstGeom>
-        </p:spPr>
-        <p:style>
-          <a:lnRef idx="3">
-            <a:schemeClr val="lt1"/>
-          </a:lnRef>
-          <a:fillRef idx="1">
-            <a:schemeClr val="accent1"/>
-          </a:fillRef>
-          <a:effectRef idx="1">
-            <a:schemeClr val="accent1"/>
-          </a:effectRef>
-          <a:fontRef idx="minor">
-            <a:schemeClr val="lt1"/>
-          </a:fontRef>
-        </p:style>
-        <p:txBody>
-          <a:bodyPr rtlCol="0" anchor="ctr"/>
-          <a:lstStyle/>
-          <a:p>
-            <a:pPr algn="ctr"/>
-            <a:r>
-              <a:rPr lang="en-US" altLang="zh-TW" dirty="0" err="1" smtClean="0"/>
-              <a:t>PreNode</a:t>
-            </a:r>
-            <a:endParaRPr lang="zh-TW" altLang="en-US" dirty="0"/>
-          </a:p>
-        </p:txBody>
-      </p:sp>
-      <p:sp>
-        <p:nvSpPr>
-          <p:cNvPr id="28" name="文字方塊 27"/>
+      </p:cxnSp>
+      <p:sp>
+        <p:nvSpPr>
+          <p:cNvPr id="110" name="文字方塊 109"/>
           <p:cNvSpPr txBox="1"/>
           <p:nvPr/>
         </p:nvSpPr>
         <p:spPr>
           <a:xfrm>
-            <a:off x="5270229" y="4797152"/>
-            <a:ext cx="3694259" cy="2031325"/>
+            <a:off x="527963" y="332656"/>
+            <a:ext cx="2201436" cy="584775"/>
           </a:xfrm>
           <a:prstGeom prst="rect">
             <a:avLst/>
@@ -5303,152 +6464,6 @@
           <a:noFill/>
         </p:spPr>
         <p:txBody>
-          <a:bodyPr wrap="square" rtlCol="0">
-            <a:spAutoFit/>
-          </a:bodyPr>
-          <a:lstStyle/>
-          <a:p>
-            <a:r>
-              <a:rPr lang="en-US" altLang="zh-TW" dirty="0" smtClean="0"/>
-              <a:t>Cloud queue</a:t>
-            </a:r>
-            <a:r>
-              <a:rPr lang="zh-TW" altLang="en-US" dirty="0" smtClean="0"/>
-              <a:t>的存在是因為將</a:t>
-            </a:r>
-            <a:r>
-              <a:rPr lang="en-US" altLang="zh-TW" dirty="0" smtClean="0"/>
-              <a:t>cloud</a:t>
-            </a:r>
-            <a:r>
-              <a:rPr lang="zh-TW" altLang="en-US" dirty="0" smtClean="0"/>
-              <a:t> </a:t>
-            </a:r>
-            <a:r>
-              <a:rPr lang="en-US" altLang="zh-TW" dirty="0" smtClean="0"/>
-              <a:t>server</a:t>
-            </a:r>
-            <a:r>
-              <a:rPr lang="zh-TW" altLang="en-US" dirty="0" smtClean="0"/>
-              <a:t>的</a:t>
-            </a:r>
-            <a:r>
-              <a:rPr lang="en-US" altLang="zh-TW" dirty="0" smtClean="0"/>
-              <a:t>queue</a:t>
-            </a:r>
-            <a:r>
-              <a:rPr lang="zh-TW" altLang="en-US" dirty="0" smtClean="0"/>
-              <a:t>寫在</a:t>
-            </a:r>
-            <a:r>
-              <a:rPr lang="en-US" altLang="zh-TW" dirty="0" smtClean="0"/>
-              <a:t>GW</a:t>
-            </a:r>
-            <a:r>
-              <a:rPr lang="zh-TW" altLang="en-US" dirty="0" smtClean="0"/>
-              <a:t>的結構內，對</a:t>
-            </a:r>
-            <a:r>
-              <a:rPr lang="en-US" altLang="zh-TW" dirty="0" smtClean="0"/>
-              <a:t>GW</a:t>
-            </a:r>
-            <a:r>
-              <a:rPr lang="zh-TW" altLang="en-US" dirty="0" smtClean="0"/>
-              <a:t>本身沒有影響，目前</a:t>
-            </a:r>
-            <a:r>
-              <a:rPr lang="en-US" altLang="zh-TW" dirty="0" smtClean="0"/>
-              <a:t>cloud queue</a:t>
-            </a:r>
-            <a:r>
-              <a:rPr lang="zh-TW" altLang="en-US" dirty="0" smtClean="0"/>
-              <a:t>只使用</a:t>
-            </a:r>
-            <a:r>
-              <a:rPr lang="en-US" altLang="zh-TW" dirty="0" smtClean="0"/>
-              <a:t>GW3</a:t>
-            </a:r>
-            <a:r>
-              <a:rPr lang="zh-TW" altLang="en-US" dirty="0" smtClean="0"/>
-              <a:t>的</a:t>
-            </a:r>
-            <a:r>
-              <a:rPr lang="en-US" altLang="zh-TW" dirty="0" smtClean="0"/>
-              <a:t>cloud</a:t>
-            </a:r>
-            <a:r>
-              <a:rPr lang="zh-TW" altLang="en-US" dirty="0" smtClean="0"/>
-              <a:t>，也可以將</a:t>
-            </a:r>
-            <a:r>
-              <a:rPr lang="en-US" altLang="zh-TW" dirty="0" smtClean="0"/>
-              <a:t>cloud</a:t>
-            </a:r>
-            <a:r>
-              <a:rPr lang="zh-TW" altLang="en-US" dirty="0" smtClean="0"/>
-              <a:t> </a:t>
-            </a:r>
-            <a:r>
-              <a:rPr lang="en-US" altLang="zh-TW" dirty="0" smtClean="0"/>
-              <a:t>queue</a:t>
-            </a:r>
-            <a:r>
-              <a:rPr lang="zh-TW" altLang="en-US" dirty="0" smtClean="0"/>
-              <a:t>獨立出來，只需將</a:t>
-            </a:r>
-            <a:r>
-              <a:rPr lang="en-US" altLang="zh-TW" dirty="0" smtClean="0"/>
-              <a:t>cloud server </a:t>
-            </a:r>
-            <a:r>
-              <a:rPr lang="zh-TW" altLang="en-US" dirty="0" smtClean="0"/>
-              <a:t>以及</a:t>
-            </a:r>
-            <a:r>
-              <a:rPr lang="en-US" altLang="zh-TW" dirty="0" err="1" smtClean="0"/>
-              <a:t>to_cloud</a:t>
-            </a:r>
-            <a:r>
-              <a:rPr lang="zh-TW" altLang="en-US" dirty="0" smtClean="0"/>
-              <a:t>的</a:t>
-            </a:r>
-            <a:r>
-              <a:rPr lang="en-US" altLang="zh-TW" dirty="0" smtClean="0"/>
-              <a:t>function</a:t>
-            </a:r>
-            <a:r>
-              <a:rPr lang="zh-TW" altLang="en-US" dirty="0" smtClean="0"/>
-              <a:t>裡的</a:t>
-            </a:r>
-            <a:r>
-              <a:rPr lang="en-US" altLang="zh-TW" dirty="0" smtClean="0"/>
-              <a:t>queue</a:t>
-            </a:r>
-            <a:r>
-              <a:rPr lang="zh-TW" altLang="en-US" dirty="0" smtClean="0"/>
-              <a:t>改寫即可</a:t>
-            </a:r>
-            <a:endParaRPr lang="zh-TW" altLang="en-US" dirty="0"/>
-          </a:p>
-        </p:txBody>
-      </p:sp>
-      <p:sp>
-        <p:nvSpPr>
-          <p:cNvPr id="29" name="文字方塊 28"/>
-          <p:cNvSpPr txBox="1"/>
-          <p:nvPr/>
-        </p:nvSpPr>
-        <p:spPr>
-          <a:xfrm>
-            <a:off x="527963" y="332656"/>
-            <a:ext cx="2183418" cy="584775"/>
-          </a:xfrm>
-          <a:prstGeom prst="rect">
-            <a:avLst/>
-          </a:prstGeom>
-          <a:noFill/>
-        </p:spPr>
-        <p:txBody>
           <a:bodyPr wrap="none" rtlCol="0">
             <a:spAutoFit/>
           </a:bodyPr>
@@ -5460,11 +6475,7 @@
             </a:pPr>
             <a:r>
               <a:rPr lang="en-US" altLang="zh-TW" sz="3200" dirty="0" smtClean="0"/>
-              <a:t>GW</a:t>
-            </a:r>
-            <a:r>
-              <a:rPr lang="zh-TW" altLang="en-US" sz="3200" dirty="0" smtClean="0"/>
-              <a:t> 結構</a:t>
+              <a:t>Task Path</a:t>
             </a:r>
             <a:endParaRPr lang="zh-TW" altLang="en-US" sz="3200" dirty="0"/>
           </a:p>
@@ -5473,7 +6484,7 @@
     </p:spTree>
     <p:extLst>
       <p:ext uri="{BB962C8B-B14F-4D97-AF65-F5344CB8AC3E}">
-        <p14:creationId xmlns:p14="http://schemas.microsoft.com/office/powerpoint/2010/main" val="4101090832"/>
+        <p14:creationId xmlns:p14="http://schemas.microsoft.com/office/powerpoint/2010/main" val="4134011093"/>
       </p:ext>
     </p:extLst>
   </p:cSld>

--- a/WBAN_Sim/模擬架構.pptx
+++ b/WBAN_Sim/模擬架構.pptx
@@ -291,7 +291,7 @@
           <a:p>
             <a:fld id="{5BBEAD13-0566-4C6C-97E7-55F17F24B09F}" type="datetimeFigureOut">
               <a:rPr lang="zh-TW" altLang="en-US" smtClean="0"/>
-              <a:t>2017/2/8</a:t>
+              <a:t>2017/2/10</a:t>
             </a:fld>
             <a:endParaRPr lang="zh-TW" altLang="en-US"/>
           </a:p>
@@ -456,7 +456,7 @@
           <a:p>
             <a:fld id="{5BBEAD13-0566-4C6C-97E7-55F17F24B09F}" type="datetimeFigureOut">
               <a:rPr lang="zh-TW" altLang="en-US" smtClean="0"/>
-              <a:t>2017/2/8</a:t>
+              <a:t>2017/2/10</a:t>
             </a:fld>
             <a:endParaRPr lang="zh-TW" altLang="en-US"/>
           </a:p>
@@ -631,7 +631,7 @@
           <a:p>
             <a:fld id="{5BBEAD13-0566-4C6C-97E7-55F17F24B09F}" type="datetimeFigureOut">
               <a:rPr lang="zh-TW" altLang="en-US" smtClean="0"/>
-              <a:t>2017/2/8</a:t>
+              <a:t>2017/2/10</a:t>
             </a:fld>
             <a:endParaRPr lang="zh-TW" altLang="en-US"/>
           </a:p>
@@ -796,7 +796,7 @@
           <a:p>
             <a:fld id="{5BBEAD13-0566-4C6C-97E7-55F17F24B09F}" type="datetimeFigureOut">
               <a:rPr lang="zh-TW" altLang="en-US" smtClean="0"/>
-              <a:t>2017/2/8</a:t>
+              <a:t>2017/2/10</a:t>
             </a:fld>
             <a:endParaRPr lang="zh-TW" altLang="en-US"/>
           </a:p>
@@ -1037,7 +1037,7 @@
           <a:p>
             <a:fld id="{5BBEAD13-0566-4C6C-97E7-55F17F24B09F}" type="datetimeFigureOut">
               <a:rPr lang="zh-TW" altLang="en-US" smtClean="0"/>
-              <a:t>2017/2/8</a:t>
+              <a:t>2017/2/10</a:t>
             </a:fld>
             <a:endParaRPr lang="zh-TW" altLang="en-US"/>
           </a:p>
@@ -1320,7 +1320,7 @@
           <a:p>
             <a:fld id="{5BBEAD13-0566-4C6C-97E7-55F17F24B09F}" type="datetimeFigureOut">
               <a:rPr lang="zh-TW" altLang="en-US" smtClean="0"/>
-              <a:t>2017/2/8</a:t>
+              <a:t>2017/2/10</a:t>
             </a:fld>
             <a:endParaRPr lang="zh-TW" altLang="en-US"/>
           </a:p>
@@ -1737,7 +1737,7 @@
           <a:p>
             <a:fld id="{5BBEAD13-0566-4C6C-97E7-55F17F24B09F}" type="datetimeFigureOut">
               <a:rPr lang="zh-TW" altLang="en-US" smtClean="0"/>
-              <a:t>2017/2/8</a:t>
+              <a:t>2017/2/10</a:t>
             </a:fld>
             <a:endParaRPr lang="zh-TW" altLang="en-US"/>
           </a:p>
@@ -1850,7 +1850,7 @@
           <a:p>
             <a:fld id="{5BBEAD13-0566-4C6C-97E7-55F17F24B09F}" type="datetimeFigureOut">
               <a:rPr lang="zh-TW" altLang="en-US" smtClean="0"/>
-              <a:t>2017/2/8</a:t>
+              <a:t>2017/2/10</a:t>
             </a:fld>
             <a:endParaRPr lang="zh-TW" altLang="en-US"/>
           </a:p>
@@ -1940,7 +1940,7 @@
           <a:p>
             <a:fld id="{5BBEAD13-0566-4C6C-97E7-55F17F24B09F}" type="datetimeFigureOut">
               <a:rPr lang="zh-TW" altLang="en-US" smtClean="0"/>
-              <a:t>2017/2/8</a:t>
+              <a:t>2017/2/10</a:t>
             </a:fld>
             <a:endParaRPr lang="zh-TW" altLang="en-US"/>
           </a:p>
@@ -2212,7 +2212,7 @@
           <a:p>
             <a:fld id="{5BBEAD13-0566-4C6C-97E7-55F17F24B09F}" type="datetimeFigureOut">
               <a:rPr lang="zh-TW" altLang="en-US" smtClean="0"/>
-              <a:t>2017/2/8</a:t>
+              <a:t>2017/2/10</a:t>
             </a:fld>
             <a:endParaRPr lang="zh-TW" altLang="en-US"/>
           </a:p>
@@ -2460,7 +2460,7 @@
           <a:p>
             <a:fld id="{5BBEAD13-0566-4C6C-97E7-55F17F24B09F}" type="datetimeFigureOut">
               <a:rPr lang="zh-TW" altLang="en-US" smtClean="0"/>
-              <a:t>2017/2/8</a:t>
+              <a:t>2017/2/10</a:t>
             </a:fld>
             <a:endParaRPr lang="zh-TW" altLang="en-US"/>
           </a:p>
@@ -2668,7 +2668,7 @@
           <a:p>
             <a:fld id="{5BBEAD13-0566-4C6C-97E7-55F17F24B09F}" type="datetimeFigureOut">
               <a:rPr lang="zh-TW" altLang="en-US" smtClean="0"/>
-              <a:t>2017/2/8</a:t>
+              <a:t>2017/2/10</a:t>
             </a:fld>
             <a:endParaRPr lang="zh-TW" altLang="en-US"/>
           </a:p>
@@ -4631,35 +4631,43 @@
             </a:r>
             <a:r>
               <a:rPr lang="en-US" altLang="zh-TW" dirty="0" smtClean="0"/>
-              <a:t>GW431</a:t>
+              <a:t>Batt431</a:t>
             </a:r>
             <a:r>
               <a:rPr lang="zh-TW" altLang="en-US" dirty="0" smtClean="0"/>
-              <a:t>時，將</a:t>
+              <a:t>時，</a:t>
+            </a:r>
+            <a:r>
+              <a:rPr lang="zh-TW" altLang="en-US" dirty="0" smtClean="0"/>
+              <a:t>將</a:t>
             </a:r>
             <a:r>
               <a:rPr lang="en-US" altLang="zh-TW" dirty="0" smtClean="0"/>
-              <a:t>GW431 flag</a:t>
+              <a:t>Batt431 </a:t>
+            </a:r>
+            <a:r>
+              <a:rPr lang="en-US" altLang="zh-TW" dirty="0" smtClean="0"/>
+              <a:t>flag</a:t>
             </a:r>
             <a:r>
               <a:rPr lang="zh-TW" altLang="en-US" dirty="0" smtClean="0"/>
-              <a:t>打開，產生</a:t>
+              <a:t>打開</a:t>
+            </a:r>
+            <a:r>
+              <a:rPr lang="zh-TW" altLang="en-US" dirty="0" smtClean="0"/>
+              <a:t>，</a:t>
             </a:r>
             <a:r>
               <a:rPr lang="en-US" altLang="zh-TW" dirty="0" smtClean="0"/>
-              <a:t>input</a:t>
-            </a:r>
-            <a:r>
-              <a:rPr lang="zh-TW" altLang="en-US" dirty="0"/>
-              <a:t>或是到</a:t>
-            </a:r>
-            <a:r>
-              <a:rPr lang="en-US" altLang="zh-TW" dirty="0" smtClean="0"/>
-              <a:t>GW431</a:t>
+              <a:t>patch</a:t>
             </a:r>
             <a:r>
               <a:rPr lang="zh-TW" altLang="en-US" dirty="0" smtClean="0"/>
-              <a:t>跑模擬</a:t>
+              <a:t>到需要跑的設定資料夾跑</a:t>
+            </a:r>
+            <a:r>
+              <a:rPr lang="zh-TW" altLang="en-US" dirty="0" smtClean="0"/>
+              <a:t>模擬</a:t>
             </a:r>
             <a:endParaRPr lang="en-US" altLang="zh-TW" dirty="0"/>
           </a:p>
